--- a/documents/Электроный Дневник Политеха.pptx
+++ b/documents/Электроный Дневник Политеха.pptx
@@ -845,7 +845,7 @@
           <a:p>
             <a:fld id="{985FA26F-A664-4294-9CED-367A652DB803}" type="datetimeFigureOut">
               <a:rPr lang="ru-RU" smtClean="0"/>
-              <a:t>12.06.2024</a:t>
+              <a:t>13.06.2024</a:t>
             </a:fld>
             <a:endParaRPr lang="ru-RU"/>
           </a:p>
@@ -1096,7 +1096,7 @@
           <a:p>
             <a:fld id="{985FA26F-A664-4294-9CED-367A652DB803}" type="datetimeFigureOut">
               <a:rPr lang="ru-RU" smtClean="0"/>
-              <a:t>12.06.2024</a:t>
+              <a:t>13.06.2024</a:t>
             </a:fld>
             <a:endParaRPr lang="ru-RU"/>
           </a:p>
@@ -1410,7 +1410,7 @@
           <a:p>
             <a:fld id="{985FA26F-A664-4294-9CED-367A652DB803}" type="datetimeFigureOut">
               <a:rPr lang="ru-RU" smtClean="0"/>
-              <a:t>12.06.2024</a:t>
+              <a:t>13.06.2024</a:t>
             </a:fld>
             <a:endParaRPr lang="ru-RU"/>
           </a:p>
@@ -1751,7 +1751,7 @@
           <a:p>
             <a:fld id="{985FA26F-A664-4294-9CED-367A652DB803}" type="datetimeFigureOut">
               <a:rPr lang="ru-RU" smtClean="0"/>
-              <a:t>12.06.2024</a:t>
+              <a:t>13.06.2024</a:t>
             </a:fld>
             <a:endParaRPr lang="ru-RU"/>
           </a:p>
@@ -2065,7 +2065,7 @@
           <a:p>
             <a:fld id="{985FA26F-A664-4294-9CED-367A652DB803}" type="datetimeFigureOut">
               <a:rPr lang="ru-RU" smtClean="0"/>
-              <a:t>12.06.2024</a:t>
+              <a:t>13.06.2024</a:t>
             </a:fld>
             <a:endParaRPr lang="ru-RU"/>
           </a:p>
@@ -2458,7 +2458,7 @@
           <a:p>
             <a:fld id="{985FA26F-A664-4294-9CED-367A652DB803}" type="datetimeFigureOut">
               <a:rPr lang="ru-RU" smtClean="0"/>
-              <a:t>12.06.2024</a:t>
+              <a:t>13.06.2024</a:t>
             </a:fld>
             <a:endParaRPr lang="ru-RU"/>
           </a:p>
@@ -2628,7 +2628,7 @@
           <a:p>
             <a:fld id="{985FA26F-A664-4294-9CED-367A652DB803}" type="datetimeFigureOut">
               <a:rPr lang="ru-RU" smtClean="0"/>
-              <a:t>12.06.2024</a:t>
+              <a:t>13.06.2024</a:t>
             </a:fld>
             <a:endParaRPr lang="ru-RU"/>
           </a:p>
@@ -2808,7 +2808,7 @@
           <a:p>
             <a:fld id="{985FA26F-A664-4294-9CED-367A652DB803}" type="datetimeFigureOut">
               <a:rPr lang="ru-RU" smtClean="0"/>
-              <a:t>12.06.2024</a:t>
+              <a:t>13.06.2024</a:t>
             </a:fld>
             <a:endParaRPr lang="ru-RU"/>
           </a:p>
@@ -2984,7 +2984,7 @@
           <a:p>
             <a:fld id="{985FA26F-A664-4294-9CED-367A652DB803}" type="datetimeFigureOut">
               <a:rPr lang="ru-RU" smtClean="0"/>
-              <a:t>12.06.2024</a:t>
+              <a:t>13.06.2024</a:t>
             </a:fld>
             <a:endParaRPr lang="ru-RU"/>
           </a:p>
@@ -3231,7 +3231,7 @@
           <a:p>
             <a:fld id="{985FA26F-A664-4294-9CED-367A652DB803}" type="datetimeFigureOut">
               <a:rPr lang="ru-RU" smtClean="0"/>
-              <a:t>12.06.2024</a:t>
+              <a:t>13.06.2024</a:t>
             </a:fld>
             <a:endParaRPr lang="ru-RU"/>
           </a:p>
@@ -3463,7 +3463,7 @@
           <a:p>
             <a:fld id="{985FA26F-A664-4294-9CED-367A652DB803}" type="datetimeFigureOut">
               <a:rPr lang="ru-RU" smtClean="0"/>
-              <a:t>12.06.2024</a:t>
+              <a:t>13.06.2024</a:t>
             </a:fld>
             <a:endParaRPr lang="ru-RU"/>
           </a:p>
@@ -3837,7 +3837,7 @@
           <a:p>
             <a:fld id="{985FA26F-A664-4294-9CED-367A652DB803}" type="datetimeFigureOut">
               <a:rPr lang="ru-RU" smtClean="0"/>
-              <a:t>12.06.2024</a:t>
+              <a:t>13.06.2024</a:t>
             </a:fld>
             <a:endParaRPr lang="ru-RU"/>
           </a:p>
@@ -3960,7 +3960,7 @@
           <a:p>
             <a:fld id="{985FA26F-A664-4294-9CED-367A652DB803}" type="datetimeFigureOut">
               <a:rPr lang="ru-RU" smtClean="0"/>
-              <a:t>12.06.2024</a:t>
+              <a:t>13.06.2024</a:t>
             </a:fld>
             <a:endParaRPr lang="ru-RU"/>
           </a:p>
@@ -4055,7 +4055,7 @@
           <a:p>
             <a:fld id="{985FA26F-A664-4294-9CED-367A652DB803}" type="datetimeFigureOut">
               <a:rPr lang="ru-RU" smtClean="0"/>
-              <a:t>12.06.2024</a:t>
+              <a:t>13.06.2024</a:t>
             </a:fld>
             <a:endParaRPr lang="ru-RU"/>
           </a:p>
@@ -4310,7 +4310,7 @@
           <a:p>
             <a:fld id="{985FA26F-A664-4294-9CED-367A652DB803}" type="datetimeFigureOut">
               <a:rPr lang="ru-RU" smtClean="0"/>
-              <a:t>12.06.2024</a:t>
+              <a:t>13.06.2024</a:t>
             </a:fld>
             <a:endParaRPr lang="ru-RU"/>
           </a:p>
@@ -4573,7 +4573,7 @@
           <a:p>
             <a:fld id="{985FA26F-A664-4294-9CED-367A652DB803}" type="datetimeFigureOut">
               <a:rPr lang="ru-RU" smtClean="0"/>
-              <a:t>12.06.2024</a:t>
+              <a:t>13.06.2024</a:t>
             </a:fld>
             <a:endParaRPr lang="ru-RU"/>
           </a:p>
@@ -5316,7 +5316,7 @@
           <a:p>
             <a:fld id="{985FA26F-A664-4294-9CED-367A652DB803}" type="datetimeFigureOut">
               <a:rPr lang="ru-RU" smtClean="0"/>
-              <a:t>12.06.2024</a:t>
+              <a:t>13.06.2024</a:t>
             </a:fld>
             <a:endParaRPr lang="ru-RU"/>
           </a:p>

--- a/documents/Электроный Дневник Политеха.pptx
+++ b/documents/Электроный Дневник Политеха.pptx
@@ -5995,6 +5995,9 @@
   <p:clrMapOvr>
     <a:masterClrMapping/>
   </p:clrMapOvr>
+  <p:transition spd="slow">
+    <p:wipe/>
+  </p:transition>
 </p:sld>
 </file>
 
@@ -6130,6 +6133,60 @@
           </a:prstGeom>
         </p:spPr>
       </p:pic>
+      <p:sp>
+        <p:nvSpPr>
+          <p:cNvPr id="6" name="TextBox 5">
+            <a:extLst>
+              <a:ext uri="{FF2B5EF4-FFF2-40B4-BE49-F238E27FC236}">
+                <a16:creationId xmlns:a16="http://schemas.microsoft.com/office/drawing/2014/main" id="{8C1E2A03-FD94-404E-936A-ECD245693443}"/>
+              </a:ext>
+            </a:extLst>
+          </p:cNvPr>
+          <p:cNvSpPr txBox="1"/>
+          <p:nvPr/>
+        </p:nvSpPr>
+        <p:spPr>
+          <a:xfrm>
+            <a:off x="11464358" y="6445189"/>
+            <a:ext cx="727642" cy="400110"/>
+          </a:xfrm>
+          <a:prstGeom prst="rect">
+            <a:avLst/>
+          </a:prstGeom>
+          <a:noFill/>
+        </p:spPr>
+        <p:txBody>
+          <a:bodyPr wrap="square" rtlCol="0">
+            <a:spAutoFit/>
+          </a:bodyPr>
+          <a:lstStyle/>
+          <a:p>
+            <a:r>
+              <a:rPr lang="en-US" sz="2000" dirty="0">
+                <a:solidFill>
+                  <a:schemeClr val="tx1">
+                    <a:lumMod val="75000"/>
+                    <a:lumOff val="25000"/>
+                  </a:schemeClr>
+                </a:solidFill>
+                <a:latin typeface="Trebuchet MS (Основной текст)"/>
+                <a:cs typeface="Times New Roman" panose="02020603050405020304" pitchFamily="18" charset="0"/>
+              </a:rPr>
+              <a:t>9/11</a:t>
+            </a:r>
+            <a:endParaRPr lang="ru-RU" sz="2000" dirty="0">
+              <a:solidFill>
+                <a:schemeClr val="tx1">
+                  <a:lumMod val="75000"/>
+                  <a:lumOff val="25000"/>
+                </a:schemeClr>
+              </a:solidFill>
+              <a:latin typeface="Trebuchet MS (Основной текст)"/>
+              <a:cs typeface="Times New Roman" panose="02020603050405020304" pitchFamily="18" charset="0"/>
+            </a:endParaRPr>
+          </a:p>
+        </p:txBody>
+      </p:sp>
     </p:spTree>
     <p:extLst>
       <p:ext uri="{BB962C8B-B14F-4D97-AF65-F5344CB8AC3E}">
@@ -6140,6 +6197,9 @@
   <p:clrMapOvr>
     <a:masterClrMapping/>
   </p:clrMapOvr>
+  <p:transition spd="slow">
+    <p:wipe/>
+  </p:transition>
 </p:sld>
 </file>
 
@@ -6259,6 +6319,60 @@
           </a:prstGeom>
         </p:spPr>
       </p:pic>
+      <p:sp>
+        <p:nvSpPr>
+          <p:cNvPr id="6" name="TextBox 5">
+            <a:extLst>
+              <a:ext uri="{FF2B5EF4-FFF2-40B4-BE49-F238E27FC236}">
+                <a16:creationId xmlns:a16="http://schemas.microsoft.com/office/drawing/2014/main" id="{28DC927C-85E7-4BED-869C-D3538AF8B5B3}"/>
+              </a:ext>
+            </a:extLst>
+          </p:cNvPr>
+          <p:cNvSpPr txBox="1"/>
+          <p:nvPr/>
+        </p:nvSpPr>
+        <p:spPr>
+          <a:xfrm>
+            <a:off x="11310151" y="6445189"/>
+            <a:ext cx="881849" cy="400110"/>
+          </a:xfrm>
+          <a:prstGeom prst="rect">
+            <a:avLst/>
+          </a:prstGeom>
+          <a:noFill/>
+        </p:spPr>
+        <p:txBody>
+          <a:bodyPr wrap="square" rtlCol="0">
+            <a:spAutoFit/>
+          </a:bodyPr>
+          <a:lstStyle/>
+          <a:p>
+            <a:r>
+              <a:rPr lang="en-US" sz="2000" dirty="0">
+                <a:solidFill>
+                  <a:schemeClr val="tx1">
+                    <a:lumMod val="75000"/>
+                    <a:lumOff val="25000"/>
+                  </a:schemeClr>
+                </a:solidFill>
+                <a:latin typeface="Trebuchet MS (Основной текст)"/>
+                <a:cs typeface="Times New Roman" panose="02020603050405020304" pitchFamily="18" charset="0"/>
+              </a:rPr>
+              <a:t>10/11</a:t>
+            </a:r>
+            <a:endParaRPr lang="ru-RU" sz="2000" dirty="0">
+              <a:solidFill>
+                <a:schemeClr val="tx1">
+                  <a:lumMod val="75000"/>
+                  <a:lumOff val="25000"/>
+                </a:schemeClr>
+              </a:solidFill>
+              <a:latin typeface="Trebuchet MS (Основной текст)"/>
+              <a:cs typeface="Times New Roman" panose="02020603050405020304" pitchFamily="18" charset="0"/>
+            </a:endParaRPr>
+          </a:p>
+        </p:txBody>
+      </p:sp>
     </p:spTree>
     <p:extLst>
       <p:ext uri="{BB962C8B-B14F-4D97-AF65-F5344CB8AC3E}">
@@ -6269,6 +6383,9 @@
   <p:clrMapOvr>
     <a:masterClrMapping/>
   </p:clrMapOvr>
+  <p:transition spd="slow">
+    <p:wipe/>
+  </p:transition>
 </p:sld>
 </file>
 
@@ -6434,6 +6551,60 @@
           </a:prstGeom>
         </p:spPr>
       </p:pic>
+      <p:sp>
+        <p:nvSpPr>
+          <p:cNvPr id="5" name="TextBox 4">
+            <a:extLst>
+              <a:ext uri="{FF2B5EF4-FFF2-40B4-BE49-F238E27FC236}">
+                <a16:creationId xmlns:a16="http://schemas.microsoft.com/office/drawing/2014/main" id="{B898CFED-A457-49F2-A6E4-2F73BC3F67CF}"/>
+              </a:ext>
+            </a:extLst>
+          </p:cNvPr>
+          <p:cNvSpPr txBox="1"/>
+          <p:nvPr/>
+        </p:nvSpPr>
+        <p:spPr>
+          <a:xfrm>
+            <a:off x="11301274" y="6445189"/>
+            <a:ext cx="890726" cy="400110"/>
+          </a:xfrm>
+          <a:prstGeom prst="rect">
+            <a:avLst/>
+          </a:prstGeom>
+          <a:noFill/>
+        </p:spPr>
+        <p:txBody>
+          <a:bodyPr wrap="square" rtlCol="0">
+            <a:spAutoFit/>
+          </a:bodyPr>
+          <a:lstStyle/>
+          <a:p>
+            <a:r>
+              <a:rPr lang="en-US" sz="2000" dirty="0">
+                <a:solidFill>
+                  <a:schemeClr val="tx1">
+                    <a:lumMod val="75000"/>
+                    <a:lumOff val="25000"/>
+                  </a:schemeClr>
+                </a:solidFill>
+                <a:latin typeface="Trebuchet MS (Основной текст)"/>
+                <a:cs typeface="Times New Roman" panose="02020603050405020304" pitchFamily="18" charset="0"/>
+              </a:rPr>
+              <a:t>11/11</a:t>
+            </a:r>
+            <a:endParaRPr lang="ru-RU" sz="2000" dirty="0">
+              <a:solidFill>
+                <a:schemeClr val="tx1">
+                  <a:lumMod val="75000"/>
+                  <a:lumOff val="25000"/>
+                </a:schemeClr>
+              </a:solidFill>
+              <a:latin typeface="Trebuchet MS (Основной текст)"/>
+              <a:cs typeface="Times New Roman" panose="02020603050405020304" pitchFamily="18" charset="0"/>
+            </a:endParaRPr>
+          </a:p>
+        </p:txBody>
+      </p:sp>
     </p:spTree>
     <p:extLst>
       <p:ext uri="{BB962C8B-B14F-4D97-AF65-F5344CB8AC3E}">
@@ -6444,6 +6615,9 @@
   <p:clrMapOvr>
     <a:masterClrMapping/>
   </p:clrMapOvr>
+  <p:transition spd="slow">
+    <p:wipe/>
+  </p:transition>
 </p:sld>
 </file>
 
@@ -6553,6 +6727,60 @@
           </a:p>
         </p:txBody>
       </p:sp>
+      <p:sp>
+        <p:nvSpPr>
+          <p:cNvPr id="4" name="TextBox 3">
+            <a:extLst>
+              <a:ext uri="{FF2B5EF4-FFF2-40B4-BE49-F238E27FC236}">
+                <a16:creationId xmlns:a16="http://schemas.microsoft.com/office/drawing/2014/main" id="{95BB8A20-1F9F-490D-831B-853742AF2894}"/>
+              </a:ext>
+            </a:extLst>
+          </p:cNvPr>
+          <p:cNvSpPr txBox="1"/>
+          <p:nvPr/>
+        </p:nvSpPr>
+        <p:spPr>
+          <a:xfrm>
+            <a:off x="11464358" y="6445189"/>
+            <a:ext cx="727642" cy="400110"/>
+          </a:xfrm>
+          <a:prstGeom prst="rect">
+            <a:avLst/>
+          </a:prstGeom>
+          <a:noFill/>
+        </p:spPr>
+        <p:txBody>
+          <a:bodyPr wrap="square" rtlCol="0">
+            <a:spAutoFit/>
+          </a:bodyPr>
+          <a:lstStyle/>
+          <a:p>
+            <a:r>
+              <a:rPr lang="en-US" sz="2000" dirty="0">
+                <a:solidFill>
+                  <a:schemeClr val="tx1">
+                    <a:lumMod val="75000"/>
+                    <a:lumOff val="25000"/>
+                  </a:schemeClr>
+                </a:solidFill>
+                <a:latin typeface="Trebuchet MS (Основной текст)"/>
+                <a:cs typeface="Times New Roman" panose="02020603050405020304" pitchFamily="18" charset="0"/>
+              </a:rPr>
+              <a:t>1/11</a:t>
+            </a:r>
+            <a:endParaRPr lang="ru-RU" sz="2000" dirty="0">
+              <a:solidFill>
+                <a:schemeClr val="tx1">
+                  <a:lumMod val="75000"/>
+                  <a:lumOff val="25000"/>
+                </a:schemeClr>
+              </a:solidFill>
+              <a:latin typeface="Trebuchet MS (Основной текст)"/>
+              <a:cs typeface="Times New Roman" panose="02020603050405020304" pitchFamily="18" charset="0"/>
+            </a:endParaRPr>
+          </a:p>
+        </p:txBody>
+      </p:sp>
     </p:spTree>
     <p:extLst>
       <p:ext uri="{BB962C8B-B14F-4D97-AF65-F5344CB8AC3E}">
@@ -6563,6 +6791,9 @@
   <p:clrMapOvr>
     <a:masterClrMapping/>
   </p:clrMapOvr>
+  <p:transition spd="slow">
+    <p:wipe/>
+  </p:transition>
 </p:sld>
 </file>
 
@@ -6686,6 +6917,60 @@
           </a:prstGeom>
         </p:spPr>
       </p:pic>
+      <p:sp>
+        <p:nvSpPr>
+          <p:cNvPr id="6" name="TextBox 5">
+            <a:extLst>
+              <a:ext uri="{FF2B5EF4-FFF2-40B4-BE49-F238E27FC236}">
+                <a16:creationId xmlns:a16="http://schemas.microsoft.com/office/drawing/2014/main" id="{8AA0C2C0-3E14-47C6-BBEE-809A3DC477C5}"/>
+              </a:ext>
+            </a:extLst>
+          </p:cNvPr>
+          <p:cNvSpPr txBox="1"/>
+          <p:nvPr/>
+        </p:nvSpPr>
+        <p:spPr>
+          <a:xfrm>
+            <a:off x="11464358" y="6445189"/>
+            <a:ext cx="727642" cy="400110"/>
+          </a:xfrm>
+          <a:prstGeom prst="rect">
+            <a:avLst/>
+          </a:prstGeom>
+          <a:noFill/>
+        </p:spPr>
+        <p:txBody>
+          <a:bodyPr wrap="square" rtlCol="0">
+            <a:spAutoFit/>
+          </a:bodyPr>
+          <a:lstStyle/>
+          <a:p>
+            <a:r>
+              <a:rPr lang="en-US" sz="2000" dirty="0">
+                <a:solidFill>
+                  <a:schemeClr val="tx1">
+                    <a:lumMod val="75000"/>
+                    <a:lumOff val="25000"/>
+                  </a:schemeClr>
+                </a:solidFill>
+                <a:latin typeface="Trebuchet MS (Основной текст)"/>
+                <a:cs typeface="Times New Roman" panose="02020603050405020304" pitchFamily="18" charset="0"/>
+              </a:rPr>
+              <a:t>2/11</a:t>
+            </a:r>
+            <a:endParaRPr lang="ru-RU" sz="2000" dirty="0">
+              <a:solidFill>
+                <a:schemeClr val="tx1">
+                  <a:lumMod val="75000"/>
+                  <a:lumOff val="25000"/>
+                </a:schemeClr>
+              </a:solidFill>
+              <a:latin typeface="Trebuchet MS (Основной текст)"/>
+              <a:cs typeface="Times New Roman" panose="02020603050405020304" pitchFamily="18" charset="0"/>
+            </a:endParaRPr>
+          </a:p>
+        </p:txBody>
+      </p:sp>
     </p:spTree>
     <p:extLst>
       <p:ext uri="{BB962C8B-B14F-4D97-AF65-F5344CB8AC3E}">
@@ -6696,6 +6981,9 @@
   <p:clrMapOvr>
     <a:masterClrMapping/>
   </p:clrMapOvr>
+  <p:transition spd="slow">
+    <p:wipe/>
+  </p:transition>
 </p:sld>
 </file>
 
@@ -7044,12 +7332,12 @@
           <a:graphicData uri="http://schemas.openxmlformats.org/presentationml/2006/ole">
             <mc:AlternateContent xmlns:mc="http://schemas.openxmlformats.org/markup-compatibility/2006">
               <mc:Choice xmlns:v="urn:schemas-microsoft-com:vml" Requires="v">
-                <p:oleObj r:id="rId2" imgW="11115773" imgH="6600709" progId="Visio.Drawing.15">
+                <p:oleObj spid="_x0000_s1031" r:id="rId3" imgW="11115773" imgH="6600709" progId="Visio.Drawing.15">
                   <p:embed/>
                 </p:oleObj>
               </mc:Choice>
               <mc:Fallback>
-                <p:oleObj r:id="rId2" imgW="11115773" imgH="6600709" progId="Visio.Drawing.15">
+                <p:oleObj r:id="rId3" imgW="11115773" imgH="6600709" progId="Visio.Drawing.15">
                   <p:embed/>
                   <p:pic>
                     <p:nvPicPr>
@@ -7060,7 +7348,7 @@
                       <p:nvPr/>
                     </p:nvPicPr>
                     <p:blipFill>
-                      <a:blip r:embed="rId3">
+                      <a:blip r:embed="rId4">
                         <a:extLst>
                           <a:ext uri="{28A0092B-C50C-407E-A947-70E740481C1C}">
                             <a14:useLocalDpi xmlns:a14="http://schemas.microsoft.com/office/drawing/2010/main" val="0"/>
@@ -7089,6 +7377,60 @@
           </a:graphicData>
         </a:graphic>
       </p:graphicFrame>
+      <p:sp>
+        <p:nvSpPr>
+          <p:cNvPr id="8" name="TextBox 7">
+            <a:extLst>
+              <a:ext uri="{FF2B5EF4-FFF2-40B4-BE49-F238E27FC236}">
+                <a16:creationId xmlns:a16="http://schemas.microsoft.com/office/drawing/2014/main" id="{ED898A66-D2C3-4905-B265-EDF1465BD944}"/>
+              </a:ext>
+            </a:extLst>
+          </p:cNvPr>
+          <p:cNvSpPr txBox="1"/>
+          <p:nvPr/>
+        </p:nvSpPr>
+        <p:spPr>
+          <a:xfrm>
+            <a:off x="11464358" y="6445189"/>
+            <a:ext cx="727642" cy="400110"/>
+          </a:xfrm>
+          <a:prstGeom prst="rect">
+            <a:avLst/>
+          </a:prstGeom>
+          <a:noFill/>
+        </p:spPr>
+        <p:txBody>
+          <a:bodyPr wrap="square" rtlCol="0">
+            <a:spAutoFit/>
+          </a:bodyPr>
+          <a:lstStyle/>
+          <a:p>
+            <a:r>
+              <a:rPr lang="en-US" sz="2000" dirty="0">
+                <a:solidFill>
+                  <a:schemeClr val="tx1">
+                    <a:lumMod val="75000"/>
+                    <a:lumOff val="25000"/>
+                  </a:schemeClr>
+                </a:solidFill>
+                <a:latin typeface="Trebuchet MS (Основной текст)"/>
+                <a:cs typeface="Times New Roman" panose="02020603050405020304" pitchFamily="18" charset="0"/>
+              </a:rPr>
+              <a:t>3/11</a:t>
+            </a:r>
+            <a:endParaRPr lang="ru-RU" sz="2000" dirty="0">
+              <a:solidFill>
+                <a:schemeClr val="tx1">
+                  <a:lumMod val="75000"/>
+                  <a:lumOff val="25000"/>
+                </a:schemeClr>
+              </a:solidFill>
+              <a:latin typeface="Trebuchet MS (Основной текст)"/>
+              <a:cs typeface="Times New Roman" panose="02020603050405020304" pitchFamily="18" charset="0"/>
+            </a:endParaRPr>
+          </a:p>
+        </p:txBody>
+      </p:sp>
     </p:spTree>
     <p:extLst>
       <p:ext uri="{BB962C8B-B14F-4D97-AF65-F5344CB8AC3E}">
@@ -7099,6 +7441,9 @@
   <p:clrMapOvr>
     <a:masterClrMapping/>
   </p:clrMapOvr>
+  <p:transition spd="slow">
+    <p:wipe/>
+  </p:transition>
 </p:sld>
 </file>
 
@@ -7686,6 +8031,60 @@
           </a:p>
         </p:txBody>
       </p:sp>
+      <p:sp>
+        <p:nvSpPr>
+          <p:cNvPr id="4" name="TextBox 3">
+            <a:extLst>
+              <a:ext uri="{FF2B5EF4-FFF2-40B4-BE49-F238E27FC236}">
+                <a16:creationId xmlns:a16="http://schemas.microsoft.com/office/drawing/2014/main" id="{B72415D9-B788-441D-ABC6-996179DAE7E0}"/>
+              </a:ext>
+            </a:extLst>
+          </p:cNvPr>
+          <p:cNvSpPr txBox="1"/>
+          <p:nvPr/>
+        </p:nvSpPr>
+        <p:spPr>
+          <a:xfrm>
+            <a:off x="11464358" y="6445189"/>
+            <a:ext cx="727642" cy="400110"/>
+          </a:xfrm>
+          <a:prstGeom prst="rect">
+            <a:avLst/>
+          </a:prstGeom>
+          <a:noFill/>
+        </p:spPr>
+        <p:txBody>
+          <a:bodyPr wrap="square" rtlCol="0">
+            <a:spAutoFit/>
+          </a:bodyPr>
+          <a:lstStyle/>
+          <a:p>
+            <a:r>
+              <a:rPr lang="en-US" sz="2000" dirty="0">
+                <a:solidFill>
+                  <a:schemeClr val="tx1">
+                    <a:lumMod val="75000"/>
+                    <a:lumOff val="25000"/>
+                  </a:schemeClr>
+                </a:solidFill>
+                <a:latin typeface="Trebuchet MS (Основной текст)"/>
+                <a:cs typeface="Times New Roman" panose="02020603050405020304" pitchFamily="18" charset="0"/>
+              </a:rPr>
+              <a:t>4/11</a:t>
+            </a:r>
+            <a:endParaRPr lang="ru-RU" sz="2000" dirty="0">
+              <a:solidFill>
+                <a:schemeClr val="tx1">
+                  <a:lumMod val="75000"/>
+                  <a:lumOff val="25000"/>
+                </a:schemeClr>
+              </a:solidFill>
+              <a:latin typeface="Trebuchet MS (Основной текст)"/>
+              <a:cs typeface="Times New Roman" panose="02020603050405020304" pitchFamily="18" charset="0"/>
+            </a:endParaRPr>
+          </a:p>
+        </p:txBody>
+      </p:sp>
     </p:spTree>
     <p:extLst>
       <p:ext uri="{BB962C8B-B14F-4D97-AF65-F5344CB8AC3E}">
@@ -7696,6 +8095,9 @@
   <p:clrMapOvr>
     <a:masterClrMapping/>
   </p:clrMapOvr>
+  <p:transition spd="slow">
+    <p:wipe/>
+  </p:transition>
 </p:sld>
 </file>
 
@@ -7882,6 +8284,60 @@
           </a:p>
         </p:txBody>
       </p:sp>
+      <p:sp>
+        <p:nvSpPr>
+          <p:cNvPr id="4" name="TextBox 3">
+            <a:extLst>
+              <a:ext uri="{FF2B5EF4-FFF2-40B4-BE49-F238E27FC236}">
+                <a16:creationId xmlns:a16="http://schemas.microsoft.com/office/drawing/2014/main" id="{E6FAB4E4-0AD6-4FA7-833B-07AABAD19330}"/>
+              </a:ext>
+            </a:extLst>
+          </p:cNvPr>
+          <p:cNvSpPr txBox="1"/>
+          <p:nvPr/>
+        </p:nvSpPr>
+        <p:spPr>
+          <a:xfrm>
+            <a:off x="11464358" y="6445189"/>
+            <a:ext cx="727642" cy="400110"/>
+          </a:xfrm>
+          <a:prstGeom prst="rect">
+            <a:avLst/>
+          </a:prstGeom>
+          <a:noFill/>
+        </p:spPr>
+        <p:txBody>
+          <a:bodyPr wrap="square" rtlCol="0">
+            <a:spAutoFit/>
+          </a:bodyPr>
+          <a:lstStyle/>
+          <a:p>
+            <a:r>
+              <a:rPr lang="en-US" sz="2000" dirty="0">
+                <a:solidFill>
+                  <a:schemeClr val="tx1">
+                    <a:lumMod val="75000"/>
+                    <a:lumOff val="25000"/>
+                  </a:schemeClr>
+                </a:solidFill>
+                <a:latin typeface="Trebuchet MS (Основной текст)"/>
+                <a:cs typeface="Times New Roman" panose="02020603050405020304" pitchFamily="18" charset="0"/>
+              </a:rPr>
+              <a:t>5/11</a:t>
+            </a:r>
+            <a:endParaRPr lang="ru-RU" sz="2000" dirty="0">
+              <a:solidFill>
+                <a:schemeClr val="tx1">
+                  <a:lumMod val="75000"/>
+                  <a:lumOff val="25000"/>
+                </a:schemeClr>
+              </a:solidFill>
+              <a:latin typeface="Trebuchet MS (Основной текст)"/>
+              <a:cs typeface="Times New Roman" panose="02020603050405020304" pitchFamily="18" charset="0"/>
+            </a:endParaRPr>
+          </a:p>
+        </p:txBody>
+      </p:sp>
     </p:spTree>
     <p:extLst>
       <p:ext uri="{BB962C8B-B14F-4D97-AF65-F5344CB8AC3E}">
@@ -7892,6 +8348,9 @@
   <p:clrMapOvr>
     <a:masterClrMapping/>
   </p:clrMapOvr>
+  <p:transition spd="slow">
+    <p:wipe/>
+  </p:transition>
 </p:sld>
 </file>
 
@@ -8078,6 +8537,60 @@
           </a:p>
         </p:txBody>
       </p:sp>
+      <p:sp>
+        <p:nvSpPr>
+          <p:cNvPr id="4" name="TextBox 3">
+            <a:extLst>
+              <a:ext uri="{FF2B5EF4-FFF2-40B4-BE49-F238E27FC236}">
+                <a16:creationId xmlns:a16="http://schemas.microsoft.com/office/drawing/2014/main" id="{504EB378-1443-488F-8612-10E67FC01F61}"/>
+              </a:ext>
+            </a:extLst>
+          </p:cNvPr>
+          <p:cNvSpPr txBox="1"/>
+          <p:nvPr/>
+        </p:nvSpPr>
+        <p:spPr>
+          <a:xfrm>
+            <a:off x="11464358" y="6445189"/>
+            <a:ext cx="727642" cy="400110"/>
+          </a:xfrm>
+          <a:prstGeom prst="rect">
+            <a:avLst/>
+          </a:prstGeom>
+          <a:noFill/>
+        </p:spPr>
+        <p:txBody>
+          <a:bodyPr wrap="square" rtlCol="0">
+            <a:spAutoFit/>
+          </a:bodyPr>
+          <a:lstStyle/>
+          <a:p>
+            <a:r>
+              <a:rPr lang="en-US" sz="2000" dirty="0">
+                <a:solidFill>
+                  <a:schemeClr val="tx1">
+                    <a:lumMod val="75000"/>
+                    <a:lumOff val="25000"/>
+                  </a:schemeClr>
+                </a:solidFill>
+                <a:latin typeface="Trebuchet MS (Основной текст)"/>
+                <a:cs typeface="Times New Roman" panose="02020603050405020304" pitchFamily="18" charset="0"/>
+              </a:rPr>
+              <a:t>6/11</a:t>
+            </a:r>
+            <a:endParaRPr lang="ru-RU" sz="2000" dirty="0">
+              <a:solidFill>
+                <a:schemeClr val="tx1">
+                  <a:lumMod val="75000"/>
+                  <a:lumOff val="25000"/>
+                </a:schemeClr>
+              </a:solidFill>
+              <a:latin typeface="Trebuchet MS (Основной текст)"/>
+              <a:cs typeface="Times New Roman" panose="02020603050405020304" pitchFamily="18" charset="0"/>
+            </a:endParaRPr>
+          </a:p>
+        </p:txBody>
+      </p:sp>
     </p:spTree>
     <p:extLst>
       <p:ext uri="{BB962C8B-B14F-4D97-AF65-F5344CB8AC3E}">
@@ -8088,6 +8601,9 @@
   <p:clrMapOvr>
     <a:masterClrMapping/>
   </p:clrMapOvr>
+  <p:transition spd="slow">
+    <p:wipe/>
+  </p:transition>
 </p:sld>
 </file>
 
@@ -8172,40 +8688,8 @@
                 <a:latin typeface="Trebuchet MS (Основной текст)"/>
                 <a:cs typeface="Times New Roman" panose="02020603050405020304" pitchFamily="18" charset="0"/>
               </a:rPr>
-              <a:t>Тест-кейсы создавались по форме </a:t>
-            </a:r>
-            <a:r>
-              <a:rPr lang="en-US" sz="2000" dirty="0">
-                <a:latin typeface="Trebuchet MS (Основной текст)"/>
-                <a:cs typeface="Times New Roman" panose="02020603050405020304" pitchFamily="18" charset="0"/>
-              </a:rPr>
-              <a:t>Test case</a:t>
-            </a:r>
-            <a:r>
-              <a:rPr lang="ru-RU" sz="2000" dirty="0">
-                <a:latin typeface="Trebuchet MS (Основной текст)"/>
-                <a:cs typeface="Times New Roman" panose="02020603050405020304" pitchFamily="18" charset="0"/>
-              </a:rPr>
-              <a:t> (</a:t>
-            </a:r>
-            <a:r>
-              <a:rPr lang="en-US" sz="2000" dirty="0">
-                <a:latin typeface="Trebuchet MS (Основной текст)"/>
-                <a:cs typeface="Times New Roman" panose="02020603050405020304" pitchFamily="18" charset="0"/>
-              </a:rPr>
-              <a:t>Steps</a:t>
-            </a:r>
-            <a:r>
-              <a:rPr lang="ru-RU" sz="2000" dirty="0">
-                <a:latin typeface="Trebuchet MS (Основной текст)"/>
-                <a:cs typeface="Times New Roman" panose="02020603050405020304" pitchFamily="18" charset="0"/>
-              </a:rPr>
-              <a:t>)</a:t>
-            </a:r>
-            <a:endParaRPr lang="en-US" sz="2000" dirty="0">
-              <a:latin typeface="Trebuchet MS (Основной текст)"/>
-              <a:cs typeface="Times New Roman" panose="02020603050405020304" pitchFamily="18" charset="0"/>
-            </a:endParaRPr>
+              <a:t>Тест-кейсы создавались по регистрационной форме сайта</a:t>
+            </a:r>
           </a:p>
           <a:p>
             <a:pPr marL="0" indent="0">
@@ -8357,6 +8841,60 @@
               <a:t>(Equivalence Partitioning — EP)</a:t>
             </a:r>
             <a:endParaRPr lang="ru-RU" sz="2000" dirty="0">
+              <a:latin typeface="Trebuchet MS (Основной текст)"/>
+              <a:cs typeface="Times New Roman" panose="02020603050405020304" pitchFamily="18" charset="0"/>
+            </a:endParaRPr>
+          </a:p>
+        </p:txBody>
+      </p:sp>
+      <p:sp>
+        <p:nvSpPr>
+          <p:cNvPr id="4" name="TextBox 3">
+            <a:extLst>
+              <a:ext uri="{FF2B5EF4-FFF2-40B4-BE49-F238E27FC236}">
+                <a16:creationId xmlns:a16="http://schemas.microsoft.com/office/drawing/2014/main" id="{ACF89E2E-F7F8-4B79-9D3B-DD3DF787BF69}"/>
+              </a:ext>
+            </a:extLst>
+          </p:cNvPr>
+          <p:cNvSpPr txBox="1"/>
+          <p:nvPr/>
+        </p:nvSpPr>
+        <p:spPr>
+          <a:xfrm>
+            <a:off x="11464358" y="6445189"/>
+            <a:ext cx="727642" cy="400110"/>
+          </a:xfrm>
+          <a:prstGeom prst="rect">
+            <a:avLst/>
+          </a:prstGeom>
+          <a:noFill/>
+        </p:spPr>
+        <p:txBody>
+          <a:bodyPr wrap="square" rtlCol="0">
+            <a:spAutoFit/>
+          </a:bodyPr>
+          <a:lstStyle/>
+          <a:p>
+            <a:r>
+              <a:rPr lang="en-US" sz="2000" dirty="0">
+                <a:solidFill>
+                  <a:schemeClr val="tx1">
+                    <a:lumMod val="75000"/>
+                    <a:lumOff val="25000"/>
+                  </a:schemeClr>
+                </a:solidFill>
+                <a:latin typeface="Trebuchet MS (Основной текст)"/>
+                <a:cs typeface="Times New Roman" panose="02020603050405020304" pitchFamily="18" charset="0"/>
+              </a:rPr>
+              <a:t>7/11</a:t>
+            </a:r>
+            <a:endParaRPr lang="ru-RU" sz="2000" dirty="0">
+              <a:solidFill>
+                <a:schemeClr val="tx1">
+                  <a:lumMod val="75000"/>
+                  <a:lumOff val="25000"/>
+                </a:schemeClr>
+              </a:solidFill>
               <a:latin typeface="Trebuchet MS (Основной текст)"/>
               <a:cs typeface="Times New Roman" panose="02020603050405020304" pitchFamily="18" charset="0"/>
             </a:endParaRPr>
@@ -8373,6 +8911,9 @@
   <p:clrMapOvr>
     <a:masterClrMapping/>
   </p:clrMapOvr>
+  <p:transition spd="slow">
+    <p:wipe/>
+  </p:transition>
 </p:sld>
 </file>
 
@@ -8459,12 +9000,66 @@
           </a:p>
         </p:txBody>
       </p:sp>
+      <p:sp>
+        <p:nvSpPr>
+          <p:cNvPr id="5" name="TextBox 4">
+            <a:extLst>
+              <a:ext uri="{FF2B5EF4-FFF2-40B4-BE49-F238E27FC236}">
+                <a16:creationId xmlns:a16="http://schemas.microsoft.com/office/drawing/2014/main" id="{AA450BA9-CBE1-4A4C-990C-FC3DCE4F9C16}"/>
+              </a:ext>
+            </a:extLst>
+          </p:cNvPr>
+          <p:cNvSpPr txBox="1"/>
+          <p:nvPr/>
+        </p:nvSpPr>
+        <p:spPr>
+          <a:xfrm>
+            <a:off x="11464358" y="6445189"/>
+            <a:ext cx="727642" cy="400110"/>
+          </a:xfrm>
+          <a:prstGeom prst="rect">
+            <a:avLst/>
+          </a:prstGeom>
+          <a:noFill/>
+        </p:spPr>
+        <p:txBody>
+          <a:bodyPr wrap="square" rtlCol="0">
+            <a:spAutoFit/>
+          </a:bodyPr>
+          <a:lstStyle/>
+          <a:p>
+            <a:r>
+              <a:rPr lang="en-US" sz="2000" dirty="0">
+                <a:solidFill>
+                  <a:schemeClr val="tx1">
+                    <a:lumMod val="75000"/>
+                    <a:lumOff val="25000"/>
+                  </a:schemeClr>
+                </a:solidFill>
+                <a:latin typeface="Trebuchet MS (Основной текст)"/>
+                <a:cs typeface="Times New Roman" panose="02020603050405020304" pitchFamily="18" charset="0"/>
+              </a:rPr>
+              <a:t>8/11</a:t>
+            </a:r>
+            <a:endParaRPr lang="ru-RU" sz="2000" dirty="0">
+              <a:solidFill>
+                <a:schemeClr val="tx1">
+                  <a:lumMod val="75000"/>
+                  <a:lumOff val="25000"/>
+                </a:schemeClr>
+              </a:solidFill>
+              <a:latin typeface="Trebuchet MS (Основной текст)"/>
+              <a:cs typeface="Times New Roman" panose="02020603050405020304" pitchFamily="18" charset="0"/>
+            </a:endParaRPr>
+          </a:p>
+        </p:txBody>
+      </p:sp>
       <p:graphicFrame>
         <p:nvGraphicFramePr>
-          <p:cNvPr id="11" name="Объект 10">
+          <p:cNvPr id="6" name="Объект 5">
             <a:extLst>
               <a:ext uri="{FF2B5EF4-FFF2-40B4-BE49-F238E27FC236}">
-                <a16:creationId xmlns:a16="http://schemas.microsoft.com/office/drawing/2014/main" id="{3DE21EC0-B29F-E31D-58D4-5D087D9B31A6}"/>
+                <a16:creationId xmlns:a16="http://schemas.microsoft.com/office/drawing/2014/main" id="{50423DEA-234F-4B14-8440-CE782EF82A13}"/>
               </a:ext>
             </a:extLst>
           </p:cNvPr>
@@ -8474,25 +9069,25 @@
           <p:nvPr>
             <p:extLst>
               <p:ext uri="{D42A27DB-BD31-4B8C-83A1-F6EECF244321}">
-                <p14:modId xmlns:p14="http://schemas.microsoft.com/office/powerpoint/2010/main" val="4249679813"/>
+                <p14:modId xmlns:p14="http://schemas.microsoft.com/office/powerpoint/2010/main" val="3345996184"/>
               </p:ext>
             </p:extLst>
           </p:nvPr>
         </p:nvGraphicFramePr>
         <p:xfrm>
-          <a:off x="677333" y="2821494"/>
-          <a:ext cx="8621231" cy="1904417"/>
+          <a:off x="677335" y="3268713"/>
+          <a:ext cx="8596667" cy="1658888"/>
         </p:xfrm>
         <a:graphic>
           <a:graphicData uri="http://schemas.openxmlformats.org/presentationml/2006/ole">
             <mc:AlternateContent xmlns:mc="http://schemas.openxmlformats.org/markup-compatibility/2006">
               <mc:Choice xmlns:v="urn:schemas-microsoft-com:vml" Requires="v">
-                <p:oleObj name="Worksheet" r:id="rId2" imgW="18373773" imgH="4057548" progId="Excel.Sheet.12">
+                <p:oleObj spid="_x0000_s2055" name="Worksheet" r:id="rId3" imgW="20926400" imgH="4038690" progId="Excel.Sheet.12">
                   <p:embed/>
                 </p:oleObj>
               </mc:Choice>
               <mc:Fallback>
-                <p:oleObj name="Worksheet" r:id="rId2" imgW="18373773" imgH="4057548" progId="Excel.Sheet.12">
+                <p:oleObj name="Worksheet" r:id="rId3" imgW="20926400" imgH="4038690" progId="Excel.Sheet.12">
                   <p:embed/>
                   <p:pic>
                     <p:nvPicPr>
@@ -8501,15 +9096,15 @@
                       <p:nvPr/>
                     </p:nvPicPr>
                     <p:blipFill>
-                      <a:blip r:embed="rId3"/>
+                      <a:blip r:embed="rId4"/>
                       <a:stretch>
                         <a:fillRect/>
                       </a:stretch>
                     </p:blipFill>
                     <p:spPr>
                       <a:xfrm>
-                        <a:off x="677333" y="2821494"/>
-                        <a:ext cx="8621231" cy="1904417"/>
+                        <a:off x="677335" y="3268713"/>
+                        <a:ext cx="8596667" cy="1658888"/>
                       </a:xfrm>
                       <a:prstGeom prst="rect">
                         <a:avLst/>
@@ -8532,6 +9127,9 @@
   <p:clrMapOvr>
     <a:masterClrMapping/>
   </p:clrMapOvr>
+  <p:transition spd="slow">
+    <p:wipe/>
+  </p:transition>
 </p:sld>
 </file>
 

--- a/documents/Электроный Дневник Политеха.pptx
+++ b/documents/Электроный Дневник Политеха.pptx
@@ -6147,8 +6147,8 @@
         </p:nvSpPr>
         <p:spPr>
           <a:xfrm>
-            <a:off x="11464358" y="6445189"/>
-            <a:ext cx="727642" cy="400110"/>
+            <a:off x="11310151" y="6445189"/>
+            <a:ext cx="881849" cy="400110"/>
           </a:xfrm>
           <a:prstGeom prst="rect">
             <a:avLst/>
@@ -6162,7 +6162,7 @@
           <a:lstStyle/>
           <a:p>
             <a:r>
-              <a:rPr lang="en-US" sz="2000" dirty="0">
+              <a:rPr lang="ru-RU" sz="2000" dirty="0">
                 <a:solidFill>
                   <a:schemeClr val="tx1">
                     <a:lumMod val="75000"/>
@@ -6172,18 +6172,34 @@
                 <a:latin typeface="Trebuchet MS (Основной текст)"/>
                 <a:cs typeface="Times New Roman" panose="02020603050405020304" pitchFamily="18" charset="0"/>
               </a:rPr>
-              <a:t>9/11</a:t>
-            </a:r>
-            <a:endParaRPr lang="ru-RU" sz="2000" dirty="0">
-              <a:solidFill>
-                <a:schemeClr val="tx1">
-                  <a:lumMod val="75000"/>
-                  <a:lumOff val="25000"/>
-                </a:schemeClr>
-              </a:solidFill>
-              <a:latin typeface="Trebuchet MS (Основной текст)"/>
-              <a:cs typeface="Times New Roman" panose="02020603050405020304" pitchFamily="18" charset="0"/>
-            </a:endParaRPr>
+              <a:t>10</a:t>
+            </a:r>
+            <a:r>
+              <a:rPr lang="en-US" sz="2000" dirty="0">
+                <a:solidFill>
+                  <a:schemeClr val="tx1">
+                    <a:lumMod val="75000"/>
+                    <a:lumOff val="25000"/>
+                  </a:schemeClr>
+                </a:solidFill>
+                <a:latin typeface="Trebuchet MS (Основной текст)"/>
+                <a:cs typeface="Times New Roman" panose="02020603050405020304" pitchFamily="18" charset="0"/>
+              </a:rPr>
+              <a:t>/1</a:t>
+            </a:r>
+            <a:r>
+              <a:rPr lang="ru-RU" sz="2000" dirty="0">
+                <a:solidFill>
+                  <a:schemeClr val="tx1">
+                    <a:lumMod val="75000"/>
+                    <a:lumOff val="25000"/>
+                  </a:schemeClr>
+                </a:solidFill>
+                <a:latin typeface="Trebuchet MS (Основной текст)"/>
+                <a:cs typeface="Times New Roman" panose="02020603050405020304" pitchFamily="18" charset="0"/>
+              </a:rPr>
+              <a:t>2</a:t>
+            </a:r>
           </a:p>
         </p:txBody>
       </p:sp>
@@ -6358,18 +6374,47 @@
                 <a:latin typeface="Trebuchet MS (Основной текст)"/>
                 <a:cs typeface="Times New Roman" panose="02020603050405020304" pitchFamily="18" charset="0"/>
               </a:rPr>
-              <a:t>10/11</a:t>
-            </a:r>
-            <a:endParaRPr lang="ru-RU" sz="2000" dirty="0">
-              <a:solidFill>
-                <a:schemeClr val="tx1">
-                  <a:lumMod val="75000"/>
-                  <a:lumOff val="25000"/>
-                </a:schemeClr>
-              </a:solidFill>
-              <a:latin typeface="Trebuchet MS (Основной текст)"/>
-              <a:cs typeface="Times New Roman" panose="02020603050405020304" pitchFamily="18" charset="0"/>
-            </a:endParaRPr>
+              <a:t>1</a:t>
+            </a:r>
+            <a:r>
+              <a:rPr lang="ru-RU" sz="2000" dirty="0">
+                <a:solidFill>
+                  <a:schemeClr val="tx1">
+                    <a:lumMod val="75000"/>
+                    <a:lumOff val="25000"/>
+                  </a:schemeClr>
+                </a:solidFill>
+                <a:latin typeface="Trebuchet MS (Основной текст)"/>
+                <a:cs typeface="Times New Roman" panose="02020603050405020304" pitchFamily="18" charset="0"/>
+              </a:rPr>
+              <a:t>1</a:t>
+            </a:r>
+            <a:r>
+              <a:rPr lang="en-US" sz="2000" dirty="0">
+                <a:solidFill>
+                  <a:schemeClr val="tx1">
+                    <a:lumMod val="75000"/>
+                    <a:lumOff val="25000"/>
+                  </a:schemeClr>
+                </a:solidFill>
+                <a:latin typeface="Trebuchet MS (Основной текст)"/>
+                <a:cs typeface="Times New Roman" panose="02020603050405020304" pitchFamily="18" charset="0"/>
+              </a:rPr>
+              <a:t>/1</a:t>
+            </a:r>
+            <a:r>
+              <a:rPr lang="ru-RU" sz="2000" dirty="0">
+                <a:solidFill>
+                  <a:schemeClr val="tx1">
+                    <a:lumMod val="75000"/>
+                    <a:lumOff val="25000"/>
+                  </a:schemeClr>
+                </a:solidFill>
+                <a:latin typeface="Trebuchet MS (Основной текст)"/>
+                <a:cs typeface="Times New Roman" panose="02020603050405020304" pitchFamily="18" charset="0"/>
+              </a:rPr>
+              <a:t>2</a:t>
+            </a:r>
           </a:p>
         </p:txBody>
       </p:sp>
@@ -6590,18 +6635,47 @@
                 <a:latin typeface="Trebuchet MS (Основной текст)"/>
                 <a:cs typeface="Times New Roman" panose="02020603050405020304" pitchFamily="18" charset="0"/>
               </a:rPr>
-              <a:t>11/11</a:t>
-            </a:r>
-            <a:endParaRPr lang="ru-RU" sz="2000" dirty="0">
-              <a:solidFill>
-                <a:schemeClr val="tx1">
-                  <a:lumMod val="75000"/>
-                  <a:lumOff val="25000"/>
-                </a:schemeClr>
-              </a:solidFill>
-              <a:latin typeface="Trebuchet MS (Основной текст)"/>
-              <a:cs typeface="Times New Roman" panose="02020603050405020304" pitchFamily="18" charset="0"/>
-            </a:endParaRPr>
+              <a:t>1</a:t>
+            </a:r>
+            <a:r>
+              <a:rPr lang="ru-RU" sz="2000" dirty="0">
+                <a:solidFill>
+                  <a:schemeClr val="tx1">
+                    <a:lumMod val="75000"/>
+                    <a:lumOff val="25000"/>
+                  </a:schemeClr>
+                </a:solidFill>
+                <a:latin typeface="Trebuchet MS (Основной текст)"/>
+                <a:cs typeface="Times New Roman" panose="02020603050405020304" pitchFamily="18" charset="0"/>
+              </a:rPr>
+              <a:t>2</a:t>
+            </a:r>
+            <a:r>
+              <a:rPr lang="en-US" sz="2000" dirty="0">
+                <a:solidFill>
+                  <a:schemeClr val="tx1">
+                    <a:lumMod val="75000"/>
+                    <a:lumOff val="25000"/>
+                  </a:schemeClr>
+                </a:solidFill>
+                <a:latin typeface="Trebuchet MS (Основной текст)"/>
+                <a:cs typeface="Times New Roman" panose="02020603050405020304" pitchFamily="18" charset="0"/>
+              </a:rPr>
+              <a:t>/1</a:t>
+            </a:r>
+            <a:r>
+              <a:rPr lang="ru-RU" sz="2000" dirty="0">
+                <a:solidFill>
+                  <a:schemeClr val="tx1">
+                    <a:lumMod val="75000"/>
+                    <a:lumOff val="25000"/>
+                  </a:schemeClr>
+                </a:solidFill>
+                <a:latin typeface="Trebuchet MS (Основной текст)"/>
+                <a:cs typeface="Times New Roman" panose="02020603050405020304" pitchFamily="18" charset="0"/>
+              </a:rPr>
+              <a:t>2</a:t>
+            </a:r>
           </a:p>
         </p:txBody>
       </p:sp>
@@ -6756,7 +6830,7 @@
           <a:lstStyle/>
           <a:p>
             <a:r>
-              <a:rPr lang="en-US" sz="2000" dirty="0">
+              <a:rPr lang="ru-RU" sz="2000" dirty="0">
                 <a:solidFill>
                   <a:schemeClr val="tx1">
                     <a:lumMod val="75000"/>
@@ -6766,7 +6840,33 @@
                 <a:latin typeface="Trebuchet MS (Основной текст)"/>
                 <a:cs typeface="Times New Roman" panose="02020603050405020304" pitchFamily="18" charset="0"/>
               </a:rPr>
-              <a:t>1/11</a:t>
+              <a:t>2</a:t>
+            </a:r>
+            <a:r>
+              <a:rPr lang="en-US" sz="2000" dirty="0">
+                <a:solidFill>
+                  <a:schemeClr val="tx1">
+                    <a:lumMod val="75000"/>
+                    <a:lumOff val="25000"/>
+                  </a:schemeClr>
+                </a:solidFill>
+                <a:latin typeface="Trebuchet MS (Основной текст)"/>
+                <a:cs typeface="Times New Roman" panose="02020603050405020304" pitchFamily="18" charset="0"/>
+              </a:rPr>
+              <a:t>/1</a:t>
+            </a:r>
+            <a:r>
+              <a:rPr lang="ru-RU" sz="2000">
+                <a:solidFill>
+                  <a:schemeClr val="tx1">
+                    <a:lumMod val="75000"/>
+                    <a:lumOff val="25000"/>
+                  </a:schemeClr>
+                </a:solidFill>
+                <a:latin typeface="Trebuchet MS (Основной текст)"/>
+                <a:cs typeface="Times New Roman" panose="02020603050405020304" pitchFamily="18" charset="0"/>
+              </a:rPr>
+              <a:t>2</a:t>
             </a:r>
             <a:endParaRPr lang="ru-RU" sz="2000" dirty="0">
               <a:solidFill>
@@ -6946,7 +7046,7 @@
           <a:lstStyle/>
           <a:p>
             <a:r>
-              <a:rPr lang="en-US" sz="2000" dirty="0">
+              <a:rPr lang="ru-RU" sz="2000" dirty="0">
                 <a:solidFill>
                   <a:schemeClr val="tx1">
                     <a:lumMod val="75000"/>
@@ -6956,18 +7056,34 @@
                 <a:latin typeface="Trebuchet MS (Основной текст)"/>
                 <a:cs typeface="Times New Roman" panose="02020603050405020304" pitchFamily="18" charset="0"/>
               </a:rPr>
-              <a:t>2/11</a:t>
-            </a:r>
-            <a:endParaRPr lang="ru-RU" sz="2000" dirty="0">
-              <a:solidFill>
-                <a:schemeClr val="tx1">
-                  <a:lumMod val="75000"/>
-                  <a:lumOff val="25000"/>
-                </a:schemeClr>
-              </a:solidFill>
-              <a:latin typeface="Trebuchet MS (Основной текст)"/>
-              <a:cs typeface="Times New Roman" panose="02020603050405020304" pitchFamily="18" charset="0"/>
-            </a:endParaRPr>
+              <a:t>3</a:t>
+            </a:r>
+            <a:r>
+              <a:rPr lang="en-US" sz="2000" dirty="0">
+                <a:solidFill>
+                  <a:schemeClr val="tx1">
+                    <a:lumMod val="75000"/>
+                    <a:lumOff val="25000"/>
+                  </a:schemeClr>
+                </a:solidFill>
+                <a:latin typeface="Trebuchet MS (Основной текст)"/>
+                <a:cs typeface="Times New Roman" panose="02020603050405020304" pitchFamily="18" charset="0"/>
+              </a:rPr>
+              <a:t>/1</a:t>
+            </a:r>
+            <a:r>
+              <a:rPr lang="ru-RU" sz="2000" dirty="0">
+                <a:solidFill>
+                  <a:schemeClr val="tx1">
+                    <a:lumMod val="75000"/>
+                    <a:lumOff val="25000"/>
+                  </a:schemeClr>
+                </a:solidFill>
+                <a:latin typeface="Trebuchet MS (Основной текст)"/>
+                <a:cs typeface="Times New Roman" panose="02020603050405020304" pitchFamily="18" charset="0"/>
+              </a:rPr>
+              <a:t>2</a:t>
+            </a:r>
           </a:p>
         </p:txBody>
       </p:sp>
@@ -7332,7 +7448,7 @@
           <a:graphicData uri="http://schemas.openxmlformats.org/presentationml/2006/ole">
             <mc:AlternateContent xmlns:mc="http://schemas.openxmlformats.org/markup-compatibility/2006">
               <mc:Choice xmlns:v="urn:schemas-microsoft-com:vml" Requires="v">
-                <p:oleObj spid="_x0000_s1031" r:id="rId3" imgW="11115773" imgH="6600709" progId="Visio.Drawing.15">
+                <p:oleObj spid="_x0000_s1033" r:id="rId3" imgW="11115773" imgH="6600709" progId="Visio.Drawing.15">
                   <p:embed/>
                 </p:oleObj>
               </mc:Choice>
@@ -7406,7 +7522,7 @@
           <a:lstStyle/>
           <a:p>
             <a:r>
-              <a:rPr lang="en-US" sz="2000" dirty="0">
+              <a:rPr lang="ru-RU" sz="2000" dirty="0">
                 <a:solidFill>
                   <a:schemeClr val="tx1">
                     <a:lumMod val="75000"/>
@@ -7416,18 +7532,34 @@
                 <a:latin typeface="Trebuchet MS (Основной текст)"/>
                 <a:cs typeface="Times New Roman" panose="02020603050405020304" pitchFamily="18" charset="0"/>
               </a:rPr>
-              <a:t>3/11</a:t>
-            </a:r>
-            <a:endParaRPr lang="ru-RU" sz="2000" dirty="0">
-              <a:solidFill>
-                <a:schemeClr val="tx1">
-                  <a:lumMod val="75000"/>
-                  <a:lumOff val="25000"/>
-                </a:schemeClr>
-              </a:solidFill>
-              <a:latin typeface="Trebuchet MS (Основной текст)"/>
-              <a:cs typeface="Times New Roman" panose="02020603050405020304" pitchFamily="18" charset="0"/>
-            </a:endParaRPr>
+              <a:t>4</a:t>
+            </a:r>
+            <a:r>
+              <a:rPr lang="en-US" sz="2000" dirty="0">
+                <a:solidFill>
+                  <a:schemeClr val="tx1">
+                    <a:lumMod val="75000"/>
+                    <a:lumOff val="25000"/>
+                  </a:schemeClr>
+                </a:solidFill>
+                <a:latin typeface="Trebuchet MS (Основной текст)"/>
+                <a:cs typeface="Times New Roman" panose="02020603050405020304" pitchFamily="18" charset="0"/>
+              </a:rPr>
+              <a:t>/1</a:t>
+            </a:r>
+            <a:r>
+              <a:rPr lang="ru-RU" sz="2000" dirty="0">
+                <a:solidFill>
+                  <a:schemeClr val="tx1">
+                    <a:lumMod val="75000"/>
+                    <a:lumOff val="25000"/>
+                  </a:schemeClr>
+                </a:solidFill>
+                <a:latin typeface="Trebuchet MS (Основной текст)"/>
+                <a:cs typeface="Times New Roman" panose="02020603050405020304" pitchFamily="18" charset="0"/>
+              </a:rPr>
+              <a:t>2</a:t>
+            </a:r>
           </a:p>
         </p:txBody>
       </p:sp>
@@ -8060,7 +8192,7 @@
           <a:lstStyle/>
           <a:p>
             <a:r>
-              <a:rPr lang="en-US" sz="2000" dirty="0">
+              <a:rPr lang="ru-RU" sz="2000" dirty="0">
                 <a:solidFill>
                   <a:schemeClr val="tx1">
                     <a:lumMod val="75000"/>
@@ -8070,18 +8202,34 @@
                 <a:latin typeface="Trebuchet MS (Основной текст)"/>
                 <a:cs typeface="Times New Roman" panose="02020603050405020304" pitchFamily="18" charset="0"/>
               </a:rPr>
-              <a:t>4/11</a:t>
-            </a:r>
-            <a:endParaRPr lang="ru-RU" sz="2000" dirty="0">
-              <a:solidFill>
-                <a:schemeClr val="tx1">
-                  <a:lumMod val="75000"/>
-                  <a:lumOff val="25000"/>
-                </a:schemeClr>
-              </a:solidFill>
-              <a:latin typeface="Trebuchet MS (Основной текст)"/>
-              <a:cs typeface="Times New Roman" panose="02020603050405020304" pitchFamily="18" charset="0"/>
-            </a:endParaRPr>
+              <a:t>5</a:t>
+            </a:r>
+            <a:r>
+              <a:rPr lang="en-US" sz="2000" dirty="0">
+                <a:solidFill>
+                  <a:schemeClr val="tx1">
+                    <a:lumMod val="75000"/>
+                    <a:lumOff val="25000"/>
+                  </a:schemeClr>
+                </a:solidFill>
+                <a:latin typeface="Trebuchet MS (Основной текст)"/>
+                <a:cs typeface="Times New Roman" panose="02020603050405020304" pitchFamily="18" charset="0"/>
+              </a:rPr>
+              <a:t>/1</a:t>
+            </a:r>
+            <a:r>
+              <a:rPr lang="ru-RU" sz="2000" dirty="0">
+                <a:solidFill>
+                  <a:schemeClr val="tx1">
+                    <a:lumMod val="75000"/>
+                    <a:lumOff val="25000"/>
+                  </a:schemeClr>
+                </a:solidFill>
+                <a:latin typeface="Trebuchet MS (Основной текст)"/>
+                <a:cs typeface="Times New Roman" panose="02020603050405020304" pitchFamily="18" charset="0"/>
+              </a:rPr>
+              <a:t>2</a:t>
+            </a:r>
           </a:p>
         </p:txBody>
       </p:sp>
@@ -8313,7 +8461,7 @@
           <a:lstStyle/>
           <a:p>
             <a:r>
-              <a:rPr lang="en-US" sz="2000" dirty="0">
+              <a:rPr lang="ru-RU" sz="2000" dirty="0">
                 <a:solidFill>
                   <a:schemeClr val="tx1">
                     <a:lumMod val="75000"/>
@@ -8323,18 +8471,34 @@
                 <a:latin typeface="Trebuchet MS (Основной текст)"/>
                 <a:cs typeface="Times New Roman" panose="02020603050405020304" pitchFamily="18" charset="0"/>
               </a:rPr>
-              <a:t>5/11</a:t>
-            </a:r>
-            <a:endParaRPr lang="ru-RU" sz="2000" dirty="0">
-              <a:solidFill>
-                <a:schemeClr val="tx1">
-                  <a:lumMod val="75000"/>
-                  <a:lumOff val="25000"/>
-                </a:schemeClr>
-              </a:solidFill>
-              <a:latin typeface="Trebuchet MS (Основной текст)"/>
-              <a:cs typeface="Times New Roman" panose="02020603050405020304" pitchFamily="18" charset="0"/>
-            </a:endParaRPr>
+              <a:t>6</a:t>
+            </a:r>
+            <a:r>
+              <a:rPr lang="en-US" sz="2000" dirty="0">
+                <a:solidFill>
+                  <a:schemeClr val="tx1">
+                    <a:lumMod val="75000"/>
+                    <a:lumOff val="25000"/>
+                  </a:schemeClr>
+                </a:solidFill>
+                <a:latin typeface="Trebuchet MS (Основной текст)"/>
+                <a:cs typeface="Times New Roman" panose="02020603050405020304" pitchFamily="18" charset="0"/>
+              </a:rPr>
+              <a:t>/1</a:t>
+            </a:r>
+            <a:r>
+              <a:rPr lang="ru-RU" sz="2000" dirty="0">
+                <a:solidFill>
+                  <a:schemeClr val="tx1">
+                    <a:lumMod val="75000"/>
+                    <a:lumOff val="25000"/>
+                  </a:schemeClr>
+                </a:solidFill>
+                <a:latin typeface="Trebuchet MS (Основной текст)"/>
+                <a:cs typeface="Times New Roman" panose="02020603050405020304" pitchFamily="18" charset="0"/>
+              </a:rPr>
+              <a:t>2</a:t>
+            </a:r>
           </a:p>
         </p:txBody>
       </p:sp>
@@ -8566,7 +8730,7 @@
           <a:lstStyle/>
           <a:p>
             <a:r>
-              <a:rPr lang="en-US" sz="2000" dirty="0">
+              <a:rPr lang="ru-RU" sz="2000" dirty="0">
                 <a:solidFill>
                   <a:schemeClr val="tx1">
                     <a:lumMod val="75000"/>
@@ -8576,18 +8740,34 @@
                 <a:latin typeface="Trebuchet MS (Основной текст)"/>
                 <a:cs typeface="Times New Roman" panose="02020603050405020304" pitchFamily="18" charset="0"/>
               </a:rPr>
-              <a:t>6/11</a:t>
-            </a:r>
-            <a:endParaRPr lang="ru-RU" sz="2000" dirty="0">
-              <a:solidFill>
-                <a:schemeClr val="tx1">
-                  <a:lumMod val="75000"/>
-                  <a:lumOff val="25000"/>
-                </a:schemeClr>
-              </a:solidFill>
-              <a:latin typeface="Trebuchet MS (Основной текст)"/>
-              <a:cs typeface="Times New Roman" panose="02020603050405020304" pitchFamily="18" charset="0"/>
-            </a:endParaRPr>
+              <a:t>7</a:t>
+            </a:r>
+            <a:r>
+              <a:rPr lang="en-US" sz="2000" dirty="0">
+                <a:solidFill>
+                  <a:schemeClr val="tx1">
+                    <a:lumMod val="75000"/>
+                    <a:lumOff val="25000"/>
+                  </a:schemeClr>
+                </a:solidFill>
+                <a:latin typeface="Trebuchet MS (Основной текст)"/>
+                <a:cs typeface="Times New Roman" panose="02020603050405020304" pitchFamily="18" charset="0"/>
+              </a:rPr>
+              <a:t>/1</a:t>
+            </a:r>
+            <a:r>
+              <a:rPr lang="ru-RU" sz="2000" dirty="0">
+                <a:solidFill>
+                  <a:schemeClr val="tx1">
+                    <a:lumMod val="75000"/>
+                    <a:lumOff val="25000"/>
+                  </a:schemeClr>
+                </a:solidFill>
+                <a:latin typeface="Trebuchet MS (Основной текст)"/>
+                <a:cs typeface="Times New Roman" panose="02020603050405020304" pitchFamily="18" charset="0"/>
+              </a:rPr>
+              <a:t>2</a:t>
+            </a:r>
           </a:p>
         </p:txBody>
       </p:sp>
@@ -8876,7 +9056,7 @@
           <a:lstStyle/>
           <a:p>
             <a:r>
-              <a:rPr lang="en-US" sz="2000" dirty="0">
+              <a:rPr lang="ru-RU" sz="2000" dirty="0">
                 <a:solidFill>
                   <a:schemeClr val="tx1">
                     <a:lumMod val="75000"/>
@@ -8886,18 +9066,34 @@
                 <a:latin typeface="Trebuchet MS (Основной текст)"/>
                 <a:cs typeface="Times New Roman" panose="02020603050405020304" pitchFamily="18" charset="0"/>
               </a:rPr>
-              <a:t>7/11</a:t>
-            </a:r>
-            <a:endParaRPr lang="ru-RU" sz="2000" dirty="0">
-              <a:solidFill>
-                <a:schemeClr val="tx1">
-                  <a:lumMod val="75000"/>
-                  <a:lumOff val="25000"/>
-                </a:schemeClr>
-              </a:solidFill>
-              <a:latin typeface="Trebuchet MS (Основной текст)"/>
-              <a:cs typeface="Times New Roman" panose="02020603050405020304" pitchFamily="18" charset="0"/>
-            </a:endParaRPr>
+              <a:t>8</a:t>
+            </a:r>
+            <a:r>
+              <a:rPr lang="en-US" sz="2000" dirty="0">
+                <a:solidFill>
+                  <a:schemeClr val="tx1">
+                    <a:lumMod val="75000"/>
+                    <a:lumOff val="25000"/>
+                  </a:schemeClr>
+                </a:solidFill>
+                <a:latin typeface="Trebuchet MS (Основной текст)"/>
+                <a:cs typeface="Times New Roman" panose="02020603050405020304" pitchFamily="18" charset="0"/>
+              </a:rPr>
+              <a:t>/1</a:t>
+            </a:r>
+            <a:r>
+              <a:rPr lang="ru-RU" sz="2000" dirty="0">
+                <a:solidFill>
+                  <a:schemeClr val="tx1">
+                    <a:lumMod val="75000"/>
+                    <a:lumOff val="25000"/>
+                  </a:schemeClr>
+                </a:solidFill>
+                <a:latin typeface="Trebuchet MS (Основной текст)"/>
+                <a:cs typeface="Times New Roman" panose="02020603050405020304" pitchFamily="18" charset="0"/>
+              </a:rPr>
+              <a:t>2</a:t>
+            </a:r>
           </a:p>
         </p:txBody>
       </p:sp>
@@ -9029,7 +9225,7 @@
           <a:lstStyle/>
           <a:p>
             <a:r>
-              <a:rPr lang="en-US" sz="2000" dirty="0">
+              <a:rPr lang="ru-RU" sz="2000" dirty="0">
                 <a:solidFill>
                   <a:schemeClr val="tx1">
                     <a:lumMod val="75000"/>
@@ -9039,18 +9235,34 @@
                 <a:latin typeface="Trebuchet MS (Основной текст)"/>
                 <a:cs typeface="Times New Roman" panose="02020603050405020304" pitchFamily="18" charset="0"/>
               </a:rPr>
-              <a:t>8/11</a:t>
-            </a:r>
-            <a:endParaRPr lang="ru-RU" sz="2000" dirty="0">
-              <a:solidFill>
-                <a:schemeClr val="tx1">
-                  <a:lumMod val="75000"/>
-                  <a:lumOff val="25000"/>
-                </a:schemeClr>
-              </a:solidFill>
-              <a:latin typeface="Trebuchet MS (Основной текст)"/>
-              <a:cs typeface="Times New Roman" panose="02020603050405020304" pitchFamily="18" charset="0"/>
-            </a:endParaRPr>
+              <a:t>9</a:t>
+            </a:r>
+            <a:r>
+              <a:rPr lang="en-US" sz="2000" dirty="0">
+                <a:solidFill>
+                  <a:schemeClr val="tx1">
+                    <a:lumMod val="75000"/>
+                    <a:lumOff val="25000"/>
+                  </a:schemeClr>
+                </a:solidFill>
+                <a:latin typeface="Trebuchet MS (Основной текст)"/>
+                <a:cs typeface="Times New Roman" panose="02020603050405020304" pitchFamily="18" charset="0"/>
+              </a:rPr>
+              <a:t>/1</a:t>
+            </a:r>
+            <a:r>
+              <a:rPr lang="ru-RU" sz="2000" dirty="0">
+                <a:solidFill>
+                  <a:schemeClr val="tx1">
+                    <a:lumMod val="75000"/>
+                    <a:lumOff val="25000"/>
+                  </a:schemeClr>
+                </a:solidFill>
+                <a:latin typeface="Trebuchet MS (Основной текст)"/>
+                <a:cs typeface="Times New Roman" panose="02020603050405020304" pitchFamily="18" charset="0"/>
+              </a:rPr>
+              <a:t>2</a:t>
+            </a:r>
           </a:p>
         </p:txBody>
       </p:sp>
@@ -9082,7 +9294,7 @@
           <a:graphicData uri="http://schemas.openxmlformats.org/presentationml/2006/ole">
             <mc:AlternateContent xmlns:mc="http://schemas.openxmlformats.org/markup-compatibility/2006">
               <mc:Choice xmlns:v="urn:schemas-microsoft-com:vml" Requires="v">
-                <p:oleObj spid="_x0000_s2055" name="Worksheet" r:id="rId3" imgW="20926400" imgH="4038690" progId="Excel.Sheet.12">
+                <p:oleObj spid="_x0000_s2057" name="Worksheet" r:id="rId3" imgW="20926400" imgH="4038690" progId="Excel.Sheet.12">
                   <p:embed/>
                 </p:oleObj>
               </mc:Choice>

--- a/documents/Электроный Дневник Политеха.pptx
+++ b/documents/Электроный Дневник Политеха.pptx
@@ -9,9 +9,9 @@
     <p:sldId id="257" r:id="rId3"/>
     <p:sldId id="258" r:id="rId4"/>
     <p:sldId id="259" r:id="rId5"/>
-    <p:sldId id="260" r:id="rId6"/>
-    <p:sldId id="261" r:id="rId7"/>
-    <p:sldId id="262" r:id="rId8"/>
+    <p:sldId id="269" r:id="rId6"/>
+    <p:sldId id="260" r:id="rId7"/>
+    <p:sldId id="261" r:id="rId8"/>
     <p:sldId id="265" r:id="rId9"/>
     <p:sldId id="263" r:id="rId10"/>
     <p:sldId id="267" r:id="rId11"/>
@@ -6771,7 +6771,7 @@
         </p:spPr>
         <p:txBody>
           <a:bodyPr>
-            <a:normAutofit fontScale="85000" lnSpcReduction="10000"/>
+            <a:normAutofit/>
           </a:bodyPr>
           <a:lstStyle/>
           <a:p>
@@ -6788,13 +6788,8 @@
                 <a:ea typeface="Calibri" panose="020F0502020204030204" pitchFamily="34" charset="0"/>
                 <a:cs typeface="Times New Roman" panose="02020603050405020304" pitchFamily="18" charset="0"/>
               </a:rPr>
-              <a:t>Вход логин/пароль для обучающихся и преподавателей. У преподавателя и обучающихся отображается расписание с информацией (время, где, с кем). У преподавателя есть возможности вносить информацию о домашнем задании, а у студента просмотреть его. Будет обеспечена безопасность данных и стабильность баз данных, понятный пользовательский интерфейс, личный кабинет студента/преподавателя. Преподаватель может выставлять оценки с возможностью их дальнейшего исправления (в течение 7 дней). Студент может просмотреть оценки. Оценки собраны в таблицах по семестрам. Архив с данными о студентах и их успеваемости прошлых годов сохраняется в базу данных. Заведующие отделением ИСПО имеют право вносить учеников в группы, менять расписание и добавлять преподавателей.</a:t>
-            </a:r>
-          </a:p>
-          <a:p>
-            <a:pPr marL="0" indent="0">
-              <a:buNone/>
-            </a:pPr>
+              <a:t>Предметная область включает в себя обеспечение функций просмотра и изменения: расписания, оценок, и преподавателей, так же обеспечение безопасности и стабильности данных о пользователях с их резервным копированием.</a:t>
+            </a:r>
             <a:endParaRPr lang="ru-RU" sz="1400" dirty="0">
               <a:latin typeface="Trebuchet MS (Основной текст)"/>
             </a:endParaRPr>
@@ -6856,7 +6851,7 @@
               <a:t>/1</a:t>
             </a:r>
             <a:r>
-              <a:rPr lang="ru-RU" sz="2000">
+              <a:rPr lang="ru-RU" sz="2000" dirty="0">
                 <a:solidFill>
                   <a:schemeClr val="tx1">
                     <a:lumMod val="75000"/>
@@ -6868,16 +6863,6 @@
               </a:rPr>
               <a:t>2</a:t>
             </a:r>
-            <a:endParaRPr lang="ru-RU" sz="2000" dirty="0">
-              <a:solidFill>
-                <a:schemeClr val="tx1">
-                  <a:lumMod val="75000"/>
-                  <a:lumOff val="25000"/>
-                </a:schemeClr>
-              </a:solidFill>
-              <a:latin typeface="Trebuchet MS (Основной текст)"/>
-              <a:cs typeface="Times New Roman" panose="02020603050405020304" pitchFamily="18" charset="0"/>
-            </a:endParaRPr>
           </a:p>
         </p:txBody>
       </p:sp>
@@ -7138,7 +7123,7 @@
         </p:nvSpPr>
         <p:spPr/>
         <p:txBody>
-          <a:bodyPr anchor="ctr">
+          <a:bodyPr anchor="t">
             <a:normAutofit/>
           </a:bodyPr>
           <a:lstStyle/>
@@ -7168,7 +7153,7 @@
         </p:nvSpPr>
         <p:spPr>
           <a:xfrm>
-            <a:off x="677334" y="1930400"/>
+            <a:off x="739480" y="1548654"/>
             <a:ext cx="8596668" cy="4579041"/>
           </a:xfrm>
         </p:spPr>
@@ -7420,79 +7405,6 @@
           </a:p>
         </p:txBody>
       </p:sp>
-      <p:graphicFrame>
-        <p:nvGraphicFramePr>
-          <p:cNvPr id="7" name="Объект 6">
-            <a:extLst>
-              <a:ext uri="{FF2B5EF4-FFF2-40B4-BE49-F238E27FC236}">
-                <a16:creationId xmlns:a16="http://schemas.microsoft.com/office/drawing/2014/main" id="{E4B174CD-9394-CD47-2ADA-906B099827BD}"/>
-              </a:ext>
-            </a:extLst>
-          </p:cNvPr>
-          <p:cNvGraphicFramePr>
-            <a:graphicFrameLocks noChangeAspect="1"/>
-          </p:cNvGraphicFramePr>
-          <p:nvPr>
-            <p:extLst>
-              <p:ext uri="{D42A27DB-BD31-4B8C-83A1-F6EECF244321}">
-                <p14:modId xmlns:p14="http://schemas.microsoft.com/office/powerpoint/2010/main" val="333024249"/>
-              </p:ext>
-            </p:extLst>
-          </p:nvPr>
-        </p:nvGraphicFramePr>
-        <p:xfrm>
-          <a:off x="4911783" y="920770"/>
-          <a:ext cx="6783944" cy="4006831"/>
-        </p:xfrm>
-        <a:graphic>
-          <a:graphicData uri="http://schemas.openxmlformats.org/presentationml/2006/ole">
-            <mc:AlternateContent xmlns:mc="http://schemas.openxmlformats.org/markup-compatibility/2006">
-              <mc:Choice xmlns:v="urn:schemas-microsoft-com:vml" Requires="v">
-                <p:oleObj spid="_x0000_s1033" r:id="rId3" imgW="11115773" imgH="6600709" progId="Visio.Drawing.15">
-                  <p:embed/>
-                </p:oleObj>
-              </mc:Choice>
-              <mc:Fallback>
-                <p:oleObj r:id="rId3" imgW="11115773" imgH="6600709" progId="Visio.Drawing.15">
-                  <p:embed/>
-                  <p:pic>
-                    <p:nvPicPr>
-                      <p:cNvPr id="0" name="Object 3"/>
-                      <p:cNvPicPr>
-                        <a:picLocks noChangeAspect="1" noChangeArrowheads="1"/>
-                      </p:cNvPicPr>
-                      <p:nvPr/>
-                    </p:nvPicPr>
-                    <p:blipFill>
-                      <a:blip r:embed="rId4">
-                        <a:extLst>
-                          <a:ext uri="{28A0092B-C50C-407E-A947-70E740481C1C}">
-                            <a14:useLocalDpi xmlns:a14="http://schemas.microsoft.com/office/drawing/2010/main" val="0"/>
-                          </a:ext>
-                        </a:extLst>
-                      </a:blip>
-                      <a:srcRect/>
-                      <a:stretch>
-                        <a:fillRect/>
-                      </a:stretch>
-                    </p:blipFill>
-                    <p:spPr bwMode="auto">
-                      <a:xfrm>
-                        <a:off x="4911783" y="920770"/>
-                        <a:ext cx="6783944" cy="4006831"/>
-                      </a:xfrm>
-                      <a:prstGeom prst="rect">
-                        <a:avLst/>
-                      </a:prstGeom>
-                      <a:noFill/>
-                    </p:spPr>
-                  </p:pic>
-                </p:oleObj>
-              </mc:Fallback>
-            </mc:AlternateContent>
-          </a:graphicData>
-        </a:graphic>
-      </p:graphicFrame>
       <p:sp>
         <p:nvSpPr>
           <p:cNvPr id="8" name="TextBox 7">
@@ -7614,7 +7526,7 @@
         </p:nvSpPr>
         <p:spPr>
           <a:xfrm>
-            <a:off x="197500" y="528119"/>
+            <a:off x="677334" y="304800"/>
             <a:ext cx="8596668" cy="1320800"/>
           </a:xfrm>
         </p:spPr>
@@ -7626,7 +7538,7 @@
           <a:p>
             <a:r>
               <a:rPr lang="ru-RU" sz="4000" dirty="0"/>
-              <a:t>Функционал</a:t>
+              <a:t>Навигационная Карта Сайта</a:t>
             </a:r>
           </a:p>
         </p:txBody>
@@ -7649,526 +7561,177 @@
         </p:nvSpPr>
         <p:spPr>
           <a:xfrm>
-            <a:off x="266910" y="1554007"/>
-            <a:ext cx="11925090" cy="3880773"/>
+            <a:off x="677334" y="1930400"/>
+            <a:ext cx="8596668" cy="4579041"/>
           </a:xfrm>
         </p:spPr>
         <p:txBody>
-          <a:bodyPr numCol="3">
+          <a:bodyPr>
             <a:noAutofit/>
           </a:bodyPr>
           <a:lstStyle/>
           <a:p>
-            <a:pPr marL="342900" lvl="0" indent="-342900">
+            <a:pPr marL="0" indent="0" fontAlgn="base">
               <a:lnSpc>
                 <a:spcPct val="150000"/>
               </a:lnSpc>
-              <a:buFont typeface="+mj-lt"/>
-              <a:buAutoNum type="arabicPeriod"/>
+              <a:buSzPct val="110000"/>
+              <a:buNone/>
             </a:pPr>
-            <a:r>
-              <a:rPr lang="ru-RU" dirty="0">
-                <a:solidFill>
-                  <a:srgbClr val="000000"/>
-                </a:solidFill>
-                <a:effectLst/>
-                <a:latin typeface="Trebuchet MS (Основной текст)"/>
-                <a:ea typeface="Times New Roman" panose="02020603050405020304" pitchFamily="18" charset="0"/>
-              </a:rPr>
-              <a:t>Ввод логина</a:t>
-            </a:r>
-            <a:endParaRPr lang="ru-RU" dirty="0">
-              <a:effectLst/>
+            <a:endParaRPr lang="ru-RU" sz="2000" dirty="0">
               <a:latin typeface="Trebuchet MS (Основной текст)"/>
-              <a:ea typeface="Times New Roman" panose="02020603050405020304" pitchFamily="18" charset="0"/>
             </a:endParaRPr>
           </a:p>
-          <a:p>
-            <a:pPr marL="342900" lvl="0" indent="-342900">
-              <a:lnSpc>
-                <a:spcPct val="150000"/>
-              </a:lnSpc>
-              <a:buFont typeface="+mj-lt"/>
-              <a:buAutoNum type="arabicPeriod"/>
-            </a:pPr>
-            <a:r>
-              <a:rPr lang="ru-RU" dirty="0">
-                <a:solidFill>
-                  <a:srgbClr val="000000"/>
-                </a:solidFill>
-                <a:effectLst/>
-                <a:latin typeface="Trebuchet MS (Основной текст)"/>
-                <a:ea typeface="Times New Roman" panose="02020603050405020304" pitchFamily="18" charset="0"/>
-              </a:rPr>
-              <a:t>Ввод пароля</a:t>
-            </a:r>
-            <a:endParaRPr lang="ru-RU" dirty="0">
-              <a:effectLst/>
-              <a:latin typeface="Trebuchet MS (Основной текст)"/>
-              <a:ea typeface="Times New Roman" panose="02020603050405020304" pitchFamily="18" charset="0"/>
-            </a:endParaRPr>
-          </a:p>
-          <a:p>
-            <a:pPr marL="342900" lvl="0" indent="-342900">
-              <a:lnSpc>
-                <a:spcPct val="150000"/>
-              </a:lnSpc>
-              <a:buFont typeface="+mj-lt"/>
-              <a:buAutoNum type="arabicPeriod"/>
-            </a:pPr>
-            <a:r>
-              <a:rPr lang="ru-RU" dirty="0">
-                <a:solidFill>
-                  <a:srgbClr val="000000"/>
-                </a:solidFill>
-                <a:effectLst/>
-                <a:latin typeface="Trebuchet MS (Основной текст)"/>
-                <a:ea typeface="Times New Roman" panose="02020603050405020304" pitchFamily="18" charset="0"/>
-              </a:rPr>
-              <a:t>Просмотр преподавателей</a:t>
-            </a:r>
-            <a:endParaRPr lang="ru-RU" dirty="0">
-              <a:effectLst/>
-              <a:latin typeface="Trebuchet MS (Основной текст)"/>
-              <a:ea typeface="Times New Roman" panose="02020603050405020304" pitchFamily="18" charset="0"/>
-            </a:endParaRPr>
-          </a:p>
-          <a:p>
-            <a:pPr marL="342900" lvl="0" indent="-342900">
-              <a:lnSpc>
-                <a:spcPct val="150000"/>
-              </a:lnSpc>
-              <a:buFont typeface="+mj-lt"/>
-              <a:buAutoNum type="arabicPeriod"/>
-            </a:pPr>
-            <a:r>
-              <a:rPr lang="ru-RU" dirty="0">
-                <a:solidFill>
-                  <a:srgbClr val="000000"/>
-                </a:solidFill>
-                <a:effectLst/>
-                <a:latin typeface="Trebuchet MS (Основной текст)"/>
-                <a:ea typeface="Times New Roman" panose="02020603050405020304" pitchFamily="18" charset="0"/>
-              </a:rPr>
-              <a:t>Просмотр оценок за семестр</a:t>
-            </a:r>
-            <a:endParaRPr lang="ru-RU" dirty="0">
-              <a:effectLst/>
-              <a:latin typeface="Trebuchet MS (Основной текст)"/>
-              <a:ea typeface="Times New Roman" panose="02020603050405020304" pitchFamily="18" charset="0"/>
-            </a:endParaRPr>
-          </a:p>
-          <a:p>
-            <a:pPr marL="342900" lvl="0" indent="-342900">
-              <a:lnSpc>
-                <a:spcPct val="150000"/>
-              </a:lnSpc>
-              <a:buFont typeface="+mj-lt"/>
-              <a:buAutoNum type="arabicPeriod"/>
-            </a:pPr>
-            <a:r>
-              <a:rPr lang="ru-RU" dirty="0">
-                <a:solidFill>
-                  <a:srgbClr val="000000"/>
-                </a:solidFill>
-                <a:effectLst/>
-                <a:latin typeface="Trebuchet MS (Основной текст)"/>
-                <a:ea typeface="Times New Roman" panose="02020603050405020304" pitchFamily="18" charset="0"/>
-              </a:rPr>
-              <a:t>Просмотр оценок за прошлый семестр</a:t>
-            </a:r>
-            <a:endParaRPr lang="ru-RU" dirty="0">
-              <a:effectLst/>
-              <a:latin typeface="Trebuchet MS (Основной текст)"/>
-              <a:ea typeface="Times New Roman" panose="02020603050405020304" pitchFamily="18" charset="0"/>
-            </a:endParaRPr>
-          </a:p>
-          <a:p>
-            <a:pPr marL="342900" lvl="0" indent="-342900">
-              <a:lnSpc>
-                <a:spcPct val="150000"/>
-              </a:lnSpc>
-              <a:buFont typeface="+mj-lt"/>
-              <a:buAutoNum type="arabicPeriod"/>
-            </a:pPr>
-            <a:r>
-              <a:rPr lang="ru-RU" dirty="0">
-                <a:solidFill>
-                  <a:srgbClr val="000000"/>
-                </a:solidFill>
-                <a:effectLst/>
-                <a:latin typeface="Trebuchet MS (Основной текст)"/>
-                <a:ea typeface="Times New Roman" panose="02020603050405020304" pitchFamily="18" charset="0"/>
-              </a:rPr>
-              <a:t>Просмотр расписания</a:t>
-            </a:r>
-            <a:endParaRPr lang="ru-RU" dirty="0">
-              <a:effectLst/>
-              <a:latin typeface="Trebuchet MS (Основной текст)"/>
-              <a:ea typeface="Times New Roman" panose="02020603050405020304" pitchFamily="18" charset="0"/>
-            </a:endParaRPr>
-          </a:p>
-          <a:p>
-            <a:pPr marL="342900" lvl="0" indent="-342900">
-              <a:lnSpc>
-                <a:spcPct val="150000"/>
-              </a:lnSpc>
-              <a:buFont typeface="+mj-lt"/>
-              <a:buAutoNum type="arabicPeriod"/>
-            </a:pPr>
-            <a:r>
-              <a:rPr lang="ru-RU" dirty="0">
-                <a:solidFill>
-                  <a:srgbClr val="000000"/>
-                </a:solidFill>
-                <a:effectLst/>
-                <a:latin typeface="Trebuchet MS (Основной текст)"/>
-                <a:ea typeface="Times New Roman" panose="02020603050405020304" pitchFamily="18" charset="0"/>
-              </a:rPr>
-              <a:t>Возможность просматривать домашние задания</a:t>
-            </a:r>
-            <a:endParaRPr lang="ru-RU" dirty="0">
-              <a:effectLst/>
-              <a:latin typeface="Trebuchet MS (Основной текст)"/>
-              <a:ea typeface="Times New Roman" panose="02020603050405020304" pitchFamily="18" charset="0"/>
-            </a:endParaRPr>
-          </a:p>
-          <a:p>
-            <a:pPr marL="342900" lvl="0" indent="-342900">
-              <a:lnSpc>
-                <a:spcPct val="150000"/>
-              </a:lnSpc>
-              <a:buFont typeface="+mj-lt"/>
-              <a:buAutoNum type="arabicPeriod"/>
-            </a:pPr>
-            <a:r>
-              <a:rPr lang="ru-RU" dirty="0">
-                <a:solidFill>
-                  <a:srgbClr val="000000"/>
-                </a:solidFill>
-                <a:effectLst/>
-                <a:latin typeface="Trebuchet MS (Основной текст)"/>
-                <a:ea typeface="Times New Roman" panose="02020603050405020304" pitchFamily="18" charset="0"/>
-              </a:rPr>
-              <a:t>Просмотр личных данных</a:t>
-            </a:r>
-            <a:endParaRPr lang="ru-RU" dirty="0">
-              <a:effectLst/>
-              <a:latin typeface="Trebuchet MS (Основной текст)"/>
-              <a:ea typeface="Times New Roman" panose="02020603050405020304" pitchFamily="18" charset="0"/>
-            </a:endParaRPr>
-          </a:p>
-          <a:p>
-            <a:pPr marL="342900" lvl="0" indent="-342900">
-              <a:lnSpc>
-                <a:spcPct val="150000"/>
-              </a:lnSpc>
-              <a:buFont typeface="+mj-lt"/>
-              <a:buAutoNum type="arabicPeriod"/>
-            </a:pPr>
-            <a:r>
-              <a:rPr lang="ru-RU" dirty="0">
-                <a:solidFill>
-                  <a:srgbClr val="000000"/>
-                </a:solidFill>
-                <a:effectLst/>
-                <a:latin typeface="Trebuchet MS (Основной текст)"/>
-                <a:ea typeface="Times New Roman" panose="02020603050405020304" pitchFamily="18" charset="0"/>
-              </a:rPr>
-              <a:t>Изменение личных данных</a:t>
-            </a:r>
-            <a:endParaRPr lang="ru-RU" dirty="0">
-              <a:effectLst/>
-              <a:latin typeface="Trebuchet MS (Основной текст)"/>
-              <a:ea typeface="Times New Roman" panose="02020603050405020304" pitchFamily="18" charset="0"/>
-            </a:endParaRPr>
-          </a:p>
-          <a:p>
-            <a:pPr marL="342900" lvl="0" indent="-342900">
-              <a:lnSpc>
-                <a:spcPct val="150000"/>
-              </a:lnSpc>
-              <a:buFont typeface="+mj-lt"/>
-              <a:buAutoNum type="arabicPeriod"/>
-            </a:pPr>
-            <a:r>
-              <a:rPr lang="ru-RU" dirty="0">
-                <a:solidFill>
-                  <a:srgbClr val="000000"/>
-                </a:solidFill>
-                <a:effectLst/>
-                <a:latin typeface="Trebuchet MS (Основной текст)"/>
-                <a:ea typeface="Times New Roman" panose="02020603050405020304" pitchFamily="18" charset="0"/>
-              </a:rPr>
-              <a:t>Просмотр новостей Политеха</a:t>
-            </a:r>
-            <a:endParaRPr lang="ru-RU" dirty="0">
-              <a:effectLst/>
-              <a:latin typeface="Trebuchet MS (Основной текст)"/>
-              <a:ea typeface="Times New Roman" panose="02020603050405020304" pitchFamily="18" charset="0"/>
-            </a:endParaRPr>
-          </a:p>
-          <a:p>
-            <a:pPr marL="342900" lvl="0" indent="-342900">
-              <a:lnSpc>
-                <a:spcPct val="150000"/>
-              </a:lnSpc>
-              <a:buFont typeface="+mj-lt"/>
-              <a:buAutoNum type="arabicPeriod"/>
-            </a:pPr>
-            <a:r>
-              <a:rPr lang="ru-RU" dirty="0">
-                <a:effectLst/>
-                <a:latin typeface="Trebuchet MS (Основной текст)"/>
-                <a:ea typeface="SimSun" panose="02010600030101010101" pitchFamily="2" charset="-122"/>
-              </a:rPr>
-              <a:t>Возможность выставления отметок</a:t>
-            </a:r>
-          </a:p>
-          <a:p>
-            <a:pPr marL="342900" lvl="0" indent="-342900">
-              <a:lnSpc>
-                <a:spcPct val="150000"/>
-              </a:lnSpc>
-              <a:buFont typeface="+mj-lt"/>
-              <a:buAutoNum type="arabicPeriod"/>
-            </a:pPr>
-            <a:r>
-              <a:rPr lang="ru-RU" dirty="0">
-                <a:effectLst/>
-                <a:latin typeface="Trebuchet MS (Основной текст)"/>
-                <a:ea typeface="SimSun" panose="02010600030101010101" pitchFamily="2" charset="-122"/>
-              </a:rPr>
-              <a:t>Возможность изменения отметок</a:t>
-            </a:r>
-          </a:p>
-          <a:p>
-            <a:pPr marL="342900" lvl="0" indent="-342900">
-              <a:lnSpc>
-                <a:spcPct val="150000"/>
-              </a:lnSpc>
-              <a:buFont typeface="+mj-lt"/>
-              <a:buAutoNum type="arabicPeriod"/>
-            </a:pPr>
-            <a:r>
-              <a:rPr lang="ru-RU" dirty="0">
-                <a:solidFill>
-                  <a:srgbClr val="000000"/>
-                </a:solidFill>
-                <a:effectLst/>
-                <a:latin typeface="Trebuchet MS (Основной текст)"/>
-                <a:ea typeface="Times New Roman" panose="02020603050405020304" pitchFamily="18" charset="0"/>
-              </a:rPr>
-              <a:t>Возможность задавать домашнее задание</a:t>
-            </a:r>
-            <a:endParaRPr lang="ru-RU" dirty="0">
-              <a:effectLst/>
-              <a:latin typeface="Trebuchet MS (Основной текст)"/>
-              <a:ea typeface="Times New Roman" panose="02020603050405020304" pitchFamily="18" charset="0"/>
-            </a:endParaRPr>
-          </a:p>
-          <a:p>
-            <a:pPr marL="342900" lvl="0" indent="-342900">
-              <a:lnSpc>
-                <a:spcPct val="150000"/>
-              </a:lnSpc>
-              <a:buFont typeface="+mj-lt"/>
-              <a:buAutoNum type="arabicPeriod"/>
-            </a:pPr>
-            <a:r>
-              <a:rPr lang="ru-RU" dirty="0">
-                <a:solidFill>
-                  <a:srgbClr val="000000"/>
-                </a:solidFill>
-                <a:effectLst/>
-                <a:latin typeface="Trebuchet MS (Основной текст)"/>
-                <a:ea typeface="Times New Roman" panose="02020603050405020304" pitchFamily="18" charset="0"/>
-              </a:rPr>
-              <a:t>Установка расписания</a:t>
-            </a:r>
-            <a:endParaRPr lang="ru-RU" dirty="0">
-              <a:effectLst/>
-              <a:latin typeface="Trebuchet MS (Основной текст)"/>
-              <a:ea typeface="Times New Roman" panose="02020603050405020304" pitchFamily="18" charset="0"/>
-            </a:endParaRPr>
-          </a:p>
-          <a:p>
-            <a:pPr marL="342900" lvl="0" indent="-342900">
-              <a:lnSpc>
-                <a:spcPct val="150000"/>
-              </a:lnSpc>
-              <a:buFont typeface="+mj-lt"/>
-              <a:buAutoNum type="arabicPeriod"/>
-            </a:pPr>
-            <a:r>
-              <a:rPr lang="ru-RU" dirty="0">
-                <a:solidFill>
-                  <a:srgbClr val="000000"/>
-                </a:solidFill>
-                <a:effectLst/>
-                <a:latin typeface="Trebuchet MS (Основной текст)"/>
-                <a:ea typeface="Times New Roman" panose="02020603050405020304" pitchFamily="18" charset="0"/>
-              </a:rPr>
-              <a:t>Изменение расписания</a:t>
-            </a:r>
-            <a:endParaRPr lang="ru-RU" dirty="0">
-              <a:effectLst/>
-              <a:latin typeface="Trebuchet MS (Основной текст)"/>
-              <a:ea typeface="Times New Roman" panose="02020603050405020304" pitchFamily="18" charset="0"/>
-            </a:endParaRPr>
-          </a:p>
-          <a:p>
-            <a:pPr marL="342900" lvl="0" indent="-342900">
-              <a:lnSpc>
-                <a:spcPct val="150000"/>
-              </a:lnSpc>
-              <a:buFont typeface="+mj-lt"/>
-              <a:buAutoNum type="arabicPeriod"/>
-            </a:pPr>
-            <a:r>
-              <a:rPr lang="ru-RU" dirty="0">
-                <a:solidFill>
-                  <a:srgbClr val="000000"/>
-                </a:solidFill>
-                <a:effectLst/>
-                <a:latin typeface="Trebuchet MS (Основной текст)"/>
-                <a:ea typeface="Times New Roman" panose="02020603050405020304" pitchFamily="18" charset="0"/>
-              </a:rPr>
-              <a:t>Удаление</a:t>
-            </a:r>
-            <a:r>
-              <a:rPr lang="en-US" dirty="0">
-                <a:solidFill>
-                  <a:srgbClr val="000000"/>
-                </a:solidFill>
-                <a:effectLst/>
-                <a:latin typeface="Trebuchet MS (Основной текст)"/>
-                <a:ea typeface="Times New Roman" panose="02020603050405020304" pitchFamily="18" charset="0"/>
-              </a:rPr>
-              <a:t>/</a:t>
-            </a:r>
-            <a:r>
-              <a:rPr lang="ru-RU" dirty="0">
-                <a:solidFill>
-                  <a:srgbClr val="000000"/>
-                </a:solidFill>
-                <a:effectLst/>
-                <a:latin typeface="Trebuchet MS (Основной текст)"/>
-                <a:ea typeface="Times New Roman" panose="02020603050405020304" pitchFamily="18" charset="0"/>
-              </a:rPr>
-              <a:t>Добавление преподавателей</a:t>
-            </a:r>
-            <a:endParaRPr lang="ru-RU" dirty="0">
-              <a:effectLst/>
-              <a:latin typeface="Trebuchet MS (Основной текст)"/>
-              <a:ea typeface="Times New Roman" panose="02020603050405020304" pitchFamily="18" charset="0"/>
-            </a:endParaRPr>
-          </a:p>
-          <a:p>
-            <a:pPr marL="342900" lvl="0" indent="-342900">
-              <a:lnSpc>
-                <a:spcPct val="150000"/>
-              </a:lnSpc>
-              <a:buFont typeface="+mj-lt"/>
-              <a:buAutoNum type="arabicPeriod"/>
-            </a:pPr>
-            <a:r>
-              <a:rPr lang="ru-RU" dirty="0">
-                <a:solidFill>
-                  <a:srgbClr val="000000"/>
-                </a:solidFill>
-                <a:effectLst/>
-                <a:latin typeface="Trebuchet MS (Основной текст)"/>
-                <a:ea typeface="Times New Roman" panose="02020603050405020304" pitchFamily="18" charset="0"/>
-              </a:rPr>
-              <a:t>Удаление</a:t>
-            </a:r>
-            <a:r>
-              <a:rPr lang="en-US" dirty="0">
-                <a:solidFill>
-                  <a:srgbClr val="000000"/>
-                </a:solidFill>
-                <a:effectLst/>
-                <a:latin typeface="Trebuchet MS (Основной текст)"/>
-                <a:ea typeface="Times New Roman" panose="02020603050405020304" pitchFamily="18" charset="0"/>
-              </a:rPr>
-              <a:t>/</a:t>
-            </a:r>
-            <a:r>
-              <a:rPr lang="ru-RU" dirty="0">
-                <a:solidFill>
-                  <a:srgbClr val="000000"/>
-                </a:solidFill>
-                <a:effectLst/>
-                <a:latin typeface="Trebuchet MS (Основной текст)"/>
-                <a:ea typeface="Times New Roman" panose="02020603050405020304" pitchFamily="18" charset="0"/>
-              </a:rPr>
-              <a:t>Добавление учеников</a:t>
-            </a:r>
-            <a:endParaRPr lang="ru-RU" dirty="0">
-              <a:effectLst/>
-              <a:latin typeface="Trebuchet MS (Основной текст)"/>
-              <a:ea typeface="Times New Roman" panose="02020603050405020304" pitchFamily="18" charset="0"/>
-            </a:endParaRPr>
-          </a:p>
-          <a:p>
-            <a:pPr marL="342900" lvl="0" indent="-342900">
-              <a:lnSpc>
-                <a:spcPct val="150000"/>
-              </a:lnSpc>
-              <a:buFont typeface="+mj-lt"/>
-              <a:buAutoNum type="arabicPeriod"/>
-            </a:pPr>
-            <a:r>
-              <a:rPr lang="ru-RU" dirty="0">
-                <a:solidFill>
-                  <a:srgbClr val="000000"/>
-                </a:solidFill>
-                <a:effectLst/>
-                <a:latin typeface="Trebuchet MS (Основной текст)"/>
-                <a:ea typeface="Times New Roman" panose="02020603050405020304" pitchFamily="18" charset="0"/>
-              </a:rPr>
-              <a:t>Мониторинг работы сайта и серверов</a:t>
-            </a:r>
-            <a:endParaRPr lang="ru-RU" dirty="0">
-              <a:effectLst/>
-              <a:latin typeface="Trebuchet MS (Основной текст)"/>
-              <a:ea typeface="Times New Roman" panose="02020603050405020304" pitchFamily="18" charset="0"/>
-            </a:endParaRPr>
-          </a:p>
-          <a:p>
-            <a:pPr marL="342900" lvl="0" indent="-342900">
-              <a:lnSpc>
-                <a:spcPct val="150000"/>
-              </a:lnSpc>
-              <a:buFont typeface="+mj-lt"/>
-              <a:buAutoNum type="arabicPeriod"/>
-            </a:pPr>
-            <a:r>
-              <a:rPr lang="ru-RU" dirty="0">
-                <a:solidFill>
-                  <a:srgbClr val="000000"/>
-                </a:solidFill>
-                <a:effectLst/>
-                <a:latin typeface="Trebuchet MS (Основной текст)"/>
-                <a:ea typeface="Times New Roman" panose="02020603050405020304" pitchFamily="18" charset="0"/>
-              </a:rPr>
-              <a:t>Возможность изменять технический код</a:t>
-            </a:r>
-            <a:endParaRPr lang="ru-RU" dirty="0">
-              <a:effectLst/>
-              <a:latin typeface="Trebuchet MS (Основной текст)"/>
-              <a:ea typeface="Times New Roman" panose="02020603050405020304" pitchFamily="18" charset="0"/>
-            </a:endParaRPr>
-          </a:p>
-        </p:txBody>
-      </p:sp>
-      <p:sp>
-        <p:nvSpPr>
-          <p:cNvPr id="4" name="TextBox 3">
+        </p:txBody>
+      </p:sp>
+      <p:sp>
+        <p:nvSpPr>
+          <p:cNvPr id="6" name="Rectangle 4">
             <a:extLst>
               <a:ext uri="{FF2B5EF4-FFF2-40B4-BE49-F238E27FC236}">
-                <a16:creationId xmlns:a16="http://schemas.microsoft.com/office/drawing/2014/main" id="{B72415D9-B788-441D-ABC6-996179DAE7E0}"/>
+                <a16:creationId xmlns:a16="http://schemas.microsoft.com/office/drawing/2014/main" id="{ECC52D96-94FC-A7B6-C502-055B15EDD909}"/>
+              </a:ext>
+            </a:extLst>
+          </p:cNvPr>
+          <p:cNvSpPr>
+            <a:spLocks noChangeArrowheads="1"/>
+          </p:cNvSpPr>
+          <p:nvPr/>
+        </p:nvSpPr>
+        <p:spPr bwMode="auto">
+          <a:xfrm>
+            <a:off x="0" y="0"/>
+            <a:ext cx="12192000" cy="0"/>
+          </a:xfrm>
+          <a:prstGeom prst="rect">
+            <a:avLst/>
+          </a:prstGeom>
+          <a:noFill/>
+          <a:ln>
+            <a:noFill/>
+          </a:ln>
+          <a:effectLst/>
+          <a:extLst>
+            <a:ext uri="{909E8E84-426E-40DD-AFC4-6F175D3DCCD1}">
+              <a14:hiddenFill xmlns:a14="http://schemas.microsoft.com/office/drawing/2010/main">
+                <a:solidFill>
+                  <a:schemeClr val="accent1"/>
+                </a:solidFill>
+              </a14:hiddenFill>
+            </a:ext>
+            <a:ext uri="{91240B29-F687-4F45-9708-019B960494DF}">
+              <a14:hiddenLine xmlns:a14="http://schemas.microsoft.com/office/drawing/2010/main" w="9525">
+                <a:solidFill>
+                  <a:schemeClr val="tx1"/>
+                </a:solidFill>
+                <a:miter lim="800000"/>
+                <a:headEnd/>
+                <a:tailEnd/>
+              </a14:hiddenLine>
+            </a:ext>
+            <a:ext uri="{AF507438-7753-43E0-B8FC-AC1667EBCBE1}">
+              <a14:hiddenEffects xmlns:a14="http://schemas.microsoft.com/office/drawing/2010/main">
+                <a:effectLst>
+                  <a:outerShdw dist="35921" dir="2700000" algn="ctr" rotWithShape="0">
+                    <a:schemeClr val="bg2"/>
+                  </a:outerShdw>
+                </a:effectLst>
+              </a14:hiddenEffects>
+            </a:ext>
+          </a:extLst>
+        </p:spPr>
+        <p:txBody>
+          <a:bodyPr vert="horz" wrap="none" lIns="91440" tIns="45720" rIns="91440" bIns="45720" numCol="1" anchor="ctr" anchorCtr="0" compatLnSpc="1">
+            <a:prstTxWarp prst="textNoShape">
+              <a:avLst/>
+            </a:prstTxWarp>
+            <a:spAutoFit/>
+          </a:bodyPr>
+          <a:lstStyle/>
+          <a:p>
+            <a:endParaRPr lang="ru-RU"/>
+          </a:p>
+        </p:txBody>
+      </p:sp>
+      <p:graphicFrame>
+        <p:nvGraphicFramePr>
+          <p:cNvPr id="7" name="Объект 6">
+            <a:extLst>
+              <a:ext uri="{FF2B5EF4-FFF2-40B4-BE49-F238E27FC236}">
+                <a16:creationId xmlns:a16="http://schemas.microsoft.com/office/drawing/2014/main" id="{E4B174CD-9394-CD47-2ADA-906B099827BD}"/>
+              </a:ext>
+            </a:extLst>
+          </p:cNvPr>
+          <p:cNvGraphicFramePr>
+            <a:graphicFrameLocks noChangeAspect="1"/>
+          </p:cNvGraphicFramePr>
+          <p:nvPr>
+            <p:extLst>
+              <p:ext uri="{D42A27DB-BD31-4B8C-83A1-F6EECF244321}">
+                <p14:modId xmlns:p14="http://schemas.microsoft.com/office/powerpoint/2010/main" val="348583266"/>
+              </p:ext>
+            </p:extLst>
+          </p:nvPr>
+        </p:nvGraphicFramePr>
+        <p:xfrm>
+          <a:off x="677334" y="192671"/>
+          <a:ext cx="9699290" cy="5728735"/>
+        </p:xfrm>
+        <a:graphic>
+          <a:graphicData uri="http://schemas.openxmlformats.org/presentationml/2006/ole">
+            <mc:AlternateContent xmlns:mc="http://schemas.openxmlformats.org/markup-compatibility/2006">
+              <mc:Choice xmlns:v="urn:schemas-microsoft-com:vml" Requires="v">
+                <p:oleObj spid="_x0000_s3081" name="Visio" r:id="rId3" imgW="11125142" imgH="6610440" progId="Visio.Drawing.15">
+                  <p:embed/>
+                </p:oleObj>
+              </mc:Choice>
+              <mc:Fallback>
+                <p:oleObj name="Visio" r:id="rId3" imgW="11125142" imgH="6610440" progId="Visio.Drawing.15">
+                  <p:embed/>
+                  <p:pic>
+                    <p:nvPicPr>
+                      <p:cNvPr id="7" name="Объект 6">
+                        <a:extLst>
+                          <a:ext uri="{FF2B5EF4-FFF2-40B4-BE49-F238E27FC236}">
+                            <a16:creationId xmlns:a16="http://schemas.microsoft.com/office/drawing/2014/main" id="{E4B174CD-9394-CD47-2ADA-906B099827BD}"/>
+                          </a:ext>
+                        </a:extLst>
+                      </p:cNvPr>
+                      <p:cNvPicPr>
+                        <a:picLocks noChangeAspect="1" noChangeArrowheads="1"/>
+                      </p:cNvPicPr>
+                      <p:nvPr/>
+                    </p:nvPicPr>
+                    <p:blipFill>
+                      <a:blip r:embed="rId4"/>
+                      <a:srcRect/>
+                      <a:stretch>
+                        <a:fillRect/>
+                      </a:stretch>
+                    </p:blipFill>
+                    <p:spPr bwMode="auto">
+                      <a:xfrm>
+                        <a:off x="677334" y="192671"/>
+                        <a:ext cx="9699290" cy="5728735"/>
+                      </a:xfrm>
+                      <a:prstGeom prst="rect">
+                        <a:avLst/>
+                      </a:prstGeom>
+                      <a:noFill/>
+                    </p:spPr>
+                  </p:pic>
+                </p:oleObj>
+              </mc:Fallback>
+            </mc:AlternateContent>
+          </a:graphicData>
+        </a:graphic>
+      </p:graphicFrame>
+      <p:sp>
+        <p:nvSpPr>
+          <p:cNvPr id="8" name="TextBox 7">
+            <a:extLst>
+              <a:ext uri="{FF2B5EF4-FFF2-40B4-BE49-F238E27FC236}">
+                <a16:creationId xmlns:a16="http://schemas.microsoft.com/office/drawing/2014/main" id="{ED898A66-D2C3-4905-B265-EDF1465BD944}"/>
               </a:ext>
             </a:extLst>
           </p:cNvPr>
@@ -8236,7 +7799,7 @@
     </p:spTree>
     <p:extLst>
       <p:ext uri="{BB962C8B-B14F-4D97-AF65-F5344CB8AC3E}">
-        <p14:creationId xmlns:p14="http://schemas.microsoft.com/office/powerpoint/2010/main" val="2229292127"/>
+        <p14:creationId xmlns:p14="http://schemas.microsoft.com/office/powerpoint/2010/main" val="156993373"/>
       </p:ext>
     </p:extLst>
   </p:cSld>
@@ -8282,16 +7845,21 @@
             <p:ph type="title"/>
           </p:nvPr>
         </p:nvSpPr>
-        <p:spPr/>
-        <p:txBody>
-          <a:bodyPr anchor="ctr">
+        <p:spPr>
+          <a:xfrm>
+            <a:off x="197500" y="528119"/>
+            <a:ext cx="8596668" cy="1320800"/>
+          </a:xfrm>
+        </p:spPr>
+        <p:txBody>
+          <a:bodyPr anchor="t">
             <a:normAutofit/>
           </a:bodyPr>
           <a:lstStyle/>
           <a:p>
             <a:r>
               <a:rPr lang="ru-RU" sz="4000" dirty="0"/>
-              <a:t>Ошибки</a:t>
+              <a:t>Функционал</a:t>
             </a:r>
           </a:p>
         </p:txBody>
@@ -8312,123 +7880,348 @@
             <p:ph idx="1"/>
           </p:nvPr>
         </p:nvSpPr>
-        <p:spPr/>
-        <p:txBody>
-          <a:bodyPr>
-            <a:normAutofit fontScale="92500"/>
+        <p:spPr>
+          <a:xfrm>
+            <a:off x="266910" y="1554007"/>
+            <a:ext cx="11925090" cy="3880773"/>
+          </a:xfrm>
+        </p:spPr>
+        <p:txBody>
+          <a:bodyPr numCol="3">
+            <a:noAutofit/>
           </a:bodyPr>
           <a:lstStyle/>
           <a:p>
-            <a:pPr>
+            <a:pPr marL="342900" lvl="0" indent="-342900">
               <a:lnSpc>
                 <a:spcPct val="150000"/>
               </a:lnSpc>
-              <a:spcAft>
-                <a:spcPts val="800"/>
-              </a:spcAft>
-              <a:buSzPct val="110000"/>
-              <a:buFont typeface="Arial" panose="020B0604020202020204" pitchFamily="34" charset="0"/>
-              <a:buChar char="•"/>
+              <a:buFont typeface="+mj-lt"/>
+              <a:buAutoNum type="arabicPeriod"/>
             </a:pPr>
             <a:r>
-              <a:rPr lang="ru-RU" sz="2000" b="1" dirty="0">
-                <a:effectLst/>
+              <a:rPr lang="ru-RU" dirty="0">
                 <a:latin typeface="Trebuchet MS (Основной текст)"/>
-                <a:ea typeface="Times New Roman" panose="02020603050405020304" pitchFamily="18" charset="0"/>
-                <a:cs typeface="Times New Roman" panose="02020603050405020304" pitchFamily="18" charset="0"/>
+                <a:ea typeface="SimSun" panose="02010600030101010101" pitchFamily="2" charset="-122"/>
               </a:rPr>
-              <a:t>Неверный логин или пароль</a:t>
-            </a:r>
-            <a:endParaRPr lang="ru-RU" sz="2000" dirty="0">
-              <a:effectLst/>
-              <a:latin typeface="Trebuchet MS (Основной текст)"/>
-              <a:ea typeface="Calibri" panose="020F0502020204030204" pitchFamily="34" charset="0"/>
-              <a:cs typeface="Times New Roman" panose="02020603050405020304" pitchFamily="18" charset="0"/>
-            </a:endParaRPr>
-          </a:p>
-          <a:p>
-            <a:pPr algn="just">
+              <a:t>Ввод логина</a:t>
+            </a:r>
+          </a:p>
+          <a:p>
+            <a:pPr marL="342900" lvl="0" indent="-342900">
               <a:lnSpc>
                 <a:spcPct val="150000"/>
               </a:lnSpc>
-              <a:buSzPct val="110000"/>
-              <a:buFont typeface="Arial" panose="020B0604020202020204" pitchFamily="34" charset="0"/>
-              <a:buChar char="•"/>
+              <a:buFont typeface="+mj-lt"/>
+              <a:buAutoNum type="arabicPeriod"/>
             </a:pPr>
             <a:r>
-              <a:rPr lang="ru-RU" sz="2000" dirty="0">
-                <a:effectLst/>
+              <a:rPr lang="ru-RU" dirty="0">
                 <a:latin typeface="Trebuchet MS (Основной текст)"/>
-                <a:ea typeface="Times New Roman" panose="02020603050405020304" pitchFamily="18" charset="0"/>
+                <a:ea typeface="SimSun" panose="02010600030101010101" pitchFamily="2" charset="-122"/>
               </a:rPr>
-              <a:t>Системное сообщение: “Не верный логин или пароль”</a:t>
-            </a:r>
-          </a:p>
-          <a:p>
-            <a:pPr algn="just">
+              <a:t>Ввод пароля</a:t>
+            </a:r>
+          </a:p>
+          <a:p>
+            <a:pPr marL="342900" lvl="0" indent="-342900">
               <a:lnSpc>
                 <a:spcPct val="150000"/>
               </a:lnSpc>
-              <a:buSzPct val="110000"/>
-              <a:buFont typeface="Arial" panose="020B0604020202020204" pitchFamily="34" charset="0"/>
-              <a:buChar char="•"/>
+              <a:buFont typeface="+mj-lt"/>
+              <a:buAutoNum type="arabicPeriod"/>
             </a:pPr>
             <a:r>
-              <a:rPr lang="ru-RU" sz="2000" dirty="0">
-                <a:effectLst/>
+              <a:rPr lang="ru-RU" dirty="0">
                 <a:latin typeface="Trebuchet MS (Основной текст)"/>
-                <a:ea typeface="Times New Roman" panose="02020603050405020304" pitchFamily="18" charset="0"/>
+                <a:ea typeface="SimSun" panose="02010600030101010101" pitchFamily="2" charset="-122"/>
               </a:rPr>
-              <a:t>При вводе некорректных логина или пароля во время Аутентификации, поля для ввода данных обведутся красным и будет выведено сообщение о вводе некорректных логина или пароля.</a:t>
-            </a:r>
-          </a:p>
-          <a:p>
-            <a:pPr algn="just">
+              <a:t>Просмотр преподавателей</a:t>
+            </a:r>
+          </a:p>
+          <a:p>
+            <a:pPr marL="342900" lvl="0" indent="-342900">
               <a:lnSpc>
                 <a:spcPct val="150000"/>
               </a:lnSpc>
-              <a:buSzPct val="110000"/>
-              <a:buFont typeface="Arial" panose="020B0604020202020204" pitchFamily="34" charset="0"/>
-              <a:buChar char="•"/>
+              <a:buFont typeface="+mj-lt"/>
+              <a:buAutoNum type="arabicPeriod"/>
             </a:pPr>
             <a:r>
-              <a:rPr lang="ru-RU" sz="2000" dirty="0">
-                <a:effectLst/>
+              <a:rPr lang="ru-RU" dirty="0">
                 <a:latin typeface="Trebuchet MS (Основной текст)"/>
-                <a:ea typeface="Times New Roman" panose="02020603050405020304" pitchFamily="18" charset="0"/>
+                <a:ea typeface="SimSun" panose="02010600030101010101" pitchFamily="2" charset="-122"/>
               </a:rPr>
-              <a:t>Решение ошибки:</a:t>
-            </a:r>
-          </a:p>
-          <a:p>
-            <a:pPr algn="just">
+              <a:t>Просмотр оценок за семестр</a:t>
+            </a:r>
+          </a:p>
+          <a:p>
+            <a:pPr marL="342900" lvl="0" indent="-342900">
               <a:lnSpc>
                 <a:spcPct val="150000"/>
               </a:lnSpc>
-              <a:spcAft>
-                <a:spcPts val="800"/>
-              </a:spcAft>
-              <a:buSzPct val="110000"/>
-              <a:buFont typeface="Arial" panose="020B0604020202020204" pitchFamily="34" charset="0"/>
-              <a:buChar char="•"/>
+              <a:buFont typeface="+mj-lt"/>
+              <a:buAutoNum type="arabicPeriod"/>
             </a:pPr>
             <a:r>
-              <a:rPr lang="ru-RU" sz="2000" dirty="0">
-                <a:effectLst/>
+              <a:rPr lang="ru-RU" dirty="0">
                 <a:latin typeface="Trebuchet MS (Основной текст)"/>
-                <a:ea typeface="Calibri" panose="020F0502020204030204" pitchFamily="34" charset="0"/>
-                <a:cs typeface="Times New Roman" panose="02020603050405020304" pitchFamily="18" charset="0"/>
+                <a:ea typeface="SimSun" panose="02010600030101010101" pitchFamily="2" charset="-122"/>
               </a:rPr>
-              <a:t>Попытаться ввести правильные Пароль и Логин.</a:t>
-            </a:r>
-          </a:p>
-          <a:p>
-            <a:pPr marL="0" indent="0">
-              <a:buNone/>
+              <a:t>Просмотр оценок за прошлый семестр</a:t>
+            </a:r>
+          </a:p>
+          <a:p>
+            <a:pPr marL="342900" lvl="0" indent="-342900">
+              <a:lnSpc>
+                <a:spcPct val="150000"/>
+              </a:lnSpc>
+              <a:buFont typeface="+mj-lt"/>
+              <a:buAutoNum type="arabicPeriod"/>
             </a:pPr>
-            <a:endParaRPr lang="ru-RU" dirty="0">
-              <a:latin typeface="Trebuchet MS (Основной текст)"/>
-            </a:endParaRPr>
+            <a:r>
+              <a:rPr lang="ru-RU" dirty="0">
+                <a:latin typeface="Trebuchet MS (Основной текст)"/>
+                <a:ea typeface="SimSun" panose="02010600030101010101" pitchFamily="2" charset="-122"/>
+              </a:rPr>
+              <a:t>Просмотр расписания</a:t>
+            </a:r>
+          </a:p>
+          <a:p>
+            <a:pPr marL="342900" lvl="0" indent="-342900">
+              <a:lnSpc>
+                <a:spcPct val="150000"/>
+              </a:lnSpc>
+              <a:buFont typeface="+mj-lt"/>
+              <a:buAutoNum type="arabicPeriod"/>
+            </a:pPr>
+            <a:r>
+              <a:rPr lang="ru-RU" dirty="0">
+                <a:latin typeface="Trebuchet MS (Основной текст)"/>
+                <a:ea typeface="SimSun" panose="02010600030101010101" pitchFamily="2" charset="-122"/>
+              </a:rPr>
+              <a:t>Возможность просматривать домашние задания</a:t>
+            </a:r>
+          </a:p>
+          <a:p>
+            <a:pPr marL="342900" lvl="0" indent="-342900">
+              <a:lnSpc>
+                <a:spcPct val="150000"/>
+              </a:lnSpc>
+              <a:buFont typeface="+mj-lt"/>
+              <a:buAutoNum type="arabicPeriod"/>
+            </a:pPr>
+            <a:r>
+              <a:rPr lang="ru-RU" dirty="0">
+                <a:latin typeface="Trebuchet MS (Основной текст)"/>
+                <a:ea typeface="SimSun" panose="02010600030101010101" pitchFamily="2" charset="-122"/>
+              </a:rPr>
+              <a:t>Просмотр личных данных</a:t>
+            </a:r>
+          </a:p>
+          <a:p>
+            <a:pPr marL="342900" lvl="0" indent="-342900">
+              <a:lnSpc>
+                <a:spcPct val="150000"/>
+              </a:lnSpc>
+              <a:buFont typeface="+mj-lt"/>
+              <a:buAutoNum type="arabicPeriod"/>
+            </a:pPr>
+            <a:r>
+              <a:rPr lang="ru-RU" dirty="0">
+                <a:latin typeface="Trebuchet MS (Основной текст)"/>
+                <a:ea typeface="SimSun" panose="02010600030101010101" pitchFamily="2" charset="-122"/>
+              </a:rPr>
+              <a:t>Изменение личных данных</a:t>
+            </a:r>
+          </a:p>
+          <a:p>
+            <a:pPr marL="342900" lvl="0" indent="-342900">
+              <a:lnSpc>
+                <a:spcPct val="150000"/>
+              </a:lnSpc>
+              <a:buFont typeface="+mj-lt"/>
+              <a:buAutoNum type="arabicPeriod"/>
+            </a:pPr>
+            <a:r>
+              <a:rPr lang="ru-RU" dirty="0">
+                <a:latin typeface="Trebuchet MS (Основной текст)"/>
+                <a:ea typeface="SimSun" panose="02010600030101010101" pitchFamily="2" charset="-122"/>
+              </a:rPr>
+              <a:t>Просмотр новостей Политеха</a:t>
+            </a:r>
+          </a:p>
+          <a:p>
+            <a:pPr marL="342900" lvl="0" indent="-342900">
+              <a:lnSpc>
+                <a:spcPct val="150000"/>
+              </a:lnSpc>
+              <a:buFont typeface="+mj-lt"/>
+              <a:buAutoNum type="arabicPeriod"/>
+            </a:pPr>
+            <a:r>
+              <a:rPr lang="ru-RU" dirty="0">
+                <a:latin typeface="Trebuchet MS (Основной текст)"/>
+                <a:ea typeface="SimSun" panose="02010600030101010101" pitchFamily="2" charset="-122"/>
+              </a:rPr>
+              <a:t>Возможность выставления отметок</a:t>
+            </a:r>
+          </a:p>
+          <a:p>
+            <a:pPr marL="342900" lvl="0" indent="-342900">
+              <a:lnSpc>
+                <a:spcPct val="150000"/>
+              </a:lnSpc>
+              <a:buFont typeface="+mj-lt"/>
+              <a:buAutoNum type="arabicPeriod"/>
+            </a:pPr>
+            <a:r>
+              <a:rPr lang="ru-RU" dirty="0">
+                <a:latin typeface="Trebuchet MS (Основной текст)"/>
+                <a:ea typeface="SimSun" panose="02010600030101010101" pitchFamily="2" charset="-122"/>
+              </a:rPr>
+              <a:t>Возможность изменения отметок</a:t>
+            </a:r>
+          </a:p>
+          <a:p>
+            <a:pPr marL="342900" lvl="0" indent="-342900">
+              <a:lnSpc>
+                <a:spcPct val="150000"/>
+              </a:lnSpc>
+              <a:buFont typeface="+mj-lt"/>
+              <a:buAutoNum type="arabicPeriod"/>
+            </a:pPr>
+            <a:r>
+              <a:rPr lang="ru-RU" dirty="0">
+                <a:latin typeface="Trebuchet MS (Основной текст)"/>
+                <a:ea typeface="SimSun" panose="02010600030101010101" pitchFamily="2" charset="-122"/>
+              </a:rPr>
+              <a:t>Возможность задавать домашнее задание</a:t>
+            </a:r>
+          </a:p>
+          <a:p>
+            <a:pPr marL="342900" lvl="0" indent="-342900">
+              <a:lnSpc>
+                <a:spcPct val="150000"/>
+              </a:lnSpc>
+              <a:buFont typeface="+mj-lt"/>
+              <a:buAutoNum type="arabicPeriod"/>
+            </a:pPr>
+            <a:r>
+              <a:rPr lang="ru-RU" dirty="0">
+                <a:latin typeface="Trebuchet MS (Основной текст)"/>
+                <a:ea typeface="SimSun" panose="02010600030101010101" pitchFamily="2" charset="-122"/>
+              </a:rPr>
+              <a:t>Установка расписания</a:t>
+            </a:r>
+          </a:p>
+          <a:p>
+            <a:pPr marL="342900" lvl="0" indent="-342900">
+              <a:lnSpc>
+                <a:spcPct val="150000"/>
+              </a:lnSpc>
+              <a:buFont typeface="+mj-lt"/>
+              <a:buAutoNum type="arabicPeriod"/>
+            </a:pPr>
+            <a:r>
+              <a:rPr lang="ru-RU" dirty="0">
+                <a:latin typeface="Trebuchet MS (Основной текст)"/>
+                <a:ea typeface="SimSun" panose="02010600030101010101" pitchFamily="2" charset="-122"/>
+              </a:rPr>
+              <a:t>Изменение расписания</a:t>
+            </a:r>
+          </a:p>
+          <a:p>
+            <a:pPr marL="342900" lvl="0" indent="-342900">
+              <a:lnSpc>
+                <a:spcPct val="150000"/>
+              </a:lnSpc>
+              <a:buFont typeface="+mj-lt"/>
+              <a:buAutoNum type="arabicPeriod"/>
+            </a:pPr>
+            <a:r>
+              <a:rPr lang="ru-RU" dirty="0">
+                <a:latin typeface="Trebuchet MS (Основной текст)"/>
+                <a:ea typeface="SimSun" panose="02010600030101010101" pitchFamily="2" charset="-122"/>
+              </a:rPr>
+              <a:t>Удаление</a:t>
+            </a:r>
+            <a:r>
+              <a:rPr lang="en-US" dirty="0">
+                <a:latin typeface="Trebuchet MS (Основной текст)"/>
+                <a:ea typeface="SimSun" panose="02010600030101010101" pitchFamily="2" charset="-122"/>
+              </a:rPr>
+              <a:t>/</a:t>
+            </a:r>
+            <a:r>
+              <a:rPr lang="ru-RU" dirty="0">
+                <a:latin typeface="Trebuchet MS (Основной текст)"/>
+                <a:ea typeface="SimSun" panose="02010600030101010101" pitchFamily="2" charset="-122"/>
+              </a:rPr>
+              <a:t>Добавление преподавателей</a:t>
+            </a:r>
+          </a:p>
+          <a:p>
+            <a:pPr marL="342900" lvl="0" indent="-342900">
+              <a:lnSpc>
+                <a:spcPct val="150000"/>
+              </a:lnSpc>
+              <a:buFont typeface="+mj-lt"/>
+              <a:buAutoNum type="arabicPeriod"/>
+            </a:pPr>
+            <a:r>
+              <a:rPr lang="ru-RU" dirty="0">
+                <a:latin typeface="Trebuchet MS (Основной текст)"/>
+                <a:ea typeface="SimSun" panose="02010600030101010101" pitchFamily="2" charset="-122"/>
+              </a:rPr>
+              <a:t>Удаление</a:t>
+            </a:r>
+            <a:r>
+              <a:rPr lang="en-US" dirty="0">
+                <a:latin typeface="Trebuchet MS (Основной текст)"/>
+                <a:ea typeface="SimSun" panose="02010600030101010101" pitchFamily="2" charset="-122"/>
+              </a:rPr>
+              <a:t>/</a:t>
+            </a:r>
+            <a:r>
+              <a:rPr lang="ru-RU" dirty="0">
+                <a:latin typeface="Trebuchet MS (Основной текст)"/>
+                <a:ea typeface="SimSun" panose="02010600030101010101" pitchFamily="2" charset="-122"/>
+              </a:rPr>
+              <a:t>Добавление учеников</a:t>
+            </a:r>
+          </a:p>
+          <a:p>
+            <a:pPr marL="342900" lvl="0" indent="-342900">
+              <a:lnSpc>
+                <a:spcPct val="150000"/>
+              </a:lnSpc>
+              <a:buFont typeface="+mj-lt"/>
+              <a:buAutoNum type="arabicPeriod"/>
+            </a:pPr>
+            <a:r>
+              <a:rPr lang="ru-RU" dirty="0">
+                <a:latin typeface="Trebuchet MS (Основной текст)"/>
+                <a:ea typeface="SimSun" panose="02010600030101010101" pitchFamily="2" charset="-122"/>
+              </a:rPr>
+              <a:t>Мониторинг работы сайта и серверов</a:t>
+            </a:r>
+          </a:p>
+          <a:p>
+            <a:pPr marL="342900" lvl="0" indent="-342900">
+              <a:lnSpc>
+                <a:spcPct val="150000"/>
+              </a:lnSpc>
+              <a:buFont typeface="+mj-lt"/>
+              <a:buAutoNum type="arabicPeriod"/>
+            </a:pPr>
+            <a:r>
+              <a:rPr lang="ru-RU" dirty="0">
+                <a:latin typeface="Trebuchet MS (Основной текст)"/>
+                <a:ea typeface="SimSun" panose="02010600030101010101" pitchFamily="2" charset="-122"/>
+              </a:rPr>
+              <a:t>Возможность изменять технический код</a:t>
+            </a:r>
           </a:p>
         </p:txBody>
       </p:sp>
@@ -8437,7 +8230,7 @@
           <p:cNvPr id="4" name="TextBox 3">
             <a:extLst>
               <a:ext uri="{FF2B5EF4-FFF2-40B4-BE49-F238E27FC236}">
-                <a16:creationId xmlns:a16="http://schemas.microsoft.com/office/drawing/2014/main" id="{E6FAB4E4-0AD6-4FA7-833B-07AABAD19330}"/>
+                <a16:creationId xmlns:a16="http://schemas.microsoft.com/office/drawing/2014/main" id="{B72415D9-B788-441D-ABC6-996179DAE7E0}"/>
               </a:ext>
             </a:extLst>
           </p:cNvPr>
@@ -8505,7 +8298,7 @@
     </p:spTree>
     <p:extLst>
       <p:ext uri="{BB962C8B-B14F-4D97-AF65-F5344CB8AC3E}">
-        <p14:creationId xmlns:p14="http://schemas.microsoft.com/office/powerpoint/2010/main" val="2668772241"/>
+        <p14:creationId xmlns:p14="http://schemas.microsoft.com/office/powerpoint/2010/main" val="2229292127"/>
       </p:ext>
     </p:extLst>
   </p:cSld>
@@ -8584,9 +8377,37 @@
         <p:spPr/>
         <p:txBody>
           <a:bodyPr>
-            <a:normAutofit fontScale="92500" lnSpcReduction="20000"/>
+            <a:normAutofit/>
           </a:bodyPr>
           <a:lstStyle/>
+          <a:p>
+            <a:pPr>
+              <a:lnSpc>
+                <a:spcPct val="150000"/>
+              </a:lnSpc>
+              <a:spcAft>
+                <a:spcPts val="800"/>
+              </a:spcAft>
+              <a:buSzPct val="110000"/>
+              <a:buFont typeface="Arial" panose="020B0604020202020204" pitchFamily="34" charset="0"/>
+              <a:buChar char="•"/>
+            </a:pPr>
+            <a:r>
+              <a:rPr lang="ru-RU" sz="2000" b="1" dirty="0">
+                <a:effectLst/>
+                <a:latin typeface="Trebuchet MS (Основной текст)"/>
+                <a:ea typeface="Times New Roman" panose="02020603050405020304" pitchFamily="18" charset="0"/>
+                <a:cs typeface="Times New Roman" panose="02020603050405020304" pitchFamily="18" charset="0"/>
+              </a:rPr>
+              <a:t>Неверный логин или пароль</a:t>
+            </a:r>
+            <a:endParaRPr lang="ru-RU" sz="2000" dirty="0">
+              <a:effectLst/>
+              <a:latin typeface="Trebuchet MS (Основной текст)"/>
+              <a:ea typeface="Calibri" panose="020F0502020204030204" pitchFamily="34" charset="0"/>
+              <a:cs typeface="Times New Roman" panose="02020603050405020304" pitchFamily="18" charset="0"/>
+            </a:endParaRPr>
+          </a:p>
           <a:p>
             <a:pPr algn="just">
               <a:lnSpc>
@@ -8616,82 +8437,6 @@
             </a:endParaRPr>
           </a:p>
           <a:p>
-            <a:pPr algn="just">
-              <a:lnSpc>
-                <a:spcPct val="150000"/>
-              </a:lnSpc>
-              <a:buSzPct val="110000"/>
-              <a:buFont typeface="Arial" panose="020B0604020202020204" pitchFamily="34" charset="0"/>
-              <a:buChar char="•"/>
-            </a:pPr>
-            <a:r>
-              <a:rPr lang="ru-RU" sz="2000" dirty="0">
-                <a:effectLst/>
-                <a:latin typeface="Trebuchet MS (Основной текст)"/>
-                <a:ea typeface="Times New Roman" panose="02020603050405020304" pitchFamily="18" charset="0"/>
-              </a:rPr>
-              <a:t>Системное сообщение: “Забыли пароль?”</a:t>
-            </a:r>
-          </a:p>
-          <a:p>
-            <a:pPr algn="just">
-              <a:lnSpc>
-                <a:spcPct val="150000"/>
-              </a:lnSpc>
-              <a:buSzPct val="110000"/>
-              <a:buFont typeface="Arial" panose="020B0604020202020204" pitchFamily="34" charset="0"/>
-              <a:buChar char="•"/>
-            </a:pPr>
-            <a:r>
-              <a:rPr lang="ru-RU" sz="2000" dirty="0">
-                <a:effectLst/>
-                <a:latin typeface="Trebuchet MS (Основной текст)"/>
-                <a:ea typeface="Times New Roman" panose="02020603050405020304" pitchFamily="18" charset="0"/>
-              </a:rPr>
-              <a:t>При частом вводе некорректных логина или пароля во время Аутентификации, высвечивается предложение восстановить Логин или Пароль.</a:t>
-            </a:r>
-          </a:p>
-          <a:p>
-            <a:pPr algn="just">
-              <a:lnSpc>
-                <a:spcPct val="150000"/>
-              </a:lnSpc>
-              <a:buSzPct val="110000"/>
-              <a:buFont typeface="Arial" panose="020B0604020202020204" pitchFamily="34" charset="0"/>
-              <a:buChar char="•"/>
-            </a:pPr>
-            <a:r>
-              <a:rPr lang="ru-RU" sz="2000" dirty="0">
-                <a:effectLst/>
-                <a:latin typeface="Trebuchet MS (Основной текст)"/>
-                <a:ea typeface="Times New Roman" panose="02020603050405020304" pitchFamily="18" charset="0"/>
-              </a:rPr>
-              <a:t>Решение ошибки:</a:t>
-            </a:r>
-          </a:p>
-          <a:p>
-            <a:pPr algn="just">
-              <a:lnSpc>
-                <a:spcPct val="150000"/>
-              </a:lnSpc>
-              <a:spcAft>
-                <a:spcPts val="800"/>
-              </a:spcAft>
-              <a:buSzPct val="110000"/>
-              <a:buFont typeface="Arial" panose="020B0604020202020204" pitchFamily="34" charset="0"/>
-              <a:buChar char="•"/>
-            </a:pPr>
-            <a:r>
-              <a:rPr lang="ru-RU" sz="2000" dirty="0">
-                <a:effectLst/>
-                <a:latin typeface="Trebuchet MS (Основной текст)"/>
-                <a:ea typeface="Calibri" panose="020F0502020204030204" pitchFamily="34" charset="0"/>
-                <a:cs typeface="Times New Roman" panose="02020603050405020304" pitchFamily="18" charset="0"/>
-              </a:rPr>
-              <a:t>Нажать на кнопку “Нет” если восстановление не требуется, нажать кнопку “Да” если восстановление требуется.</a:t>
-            </a:r>
-          </a:p>
-          <a:p>
             <a:pPr marL="0" indent="0">
               <a:buNone/>
             </a:pPr>
@@ -8706,7 +8451,7 @@
           <p:cNvPr id="4" name="TextBox 3">
             <a:extLst>
               <a:ext uri="{FF2B5EF4-FFF2-40B4-BE49-F238E27FC236}">
-                <a16:creationId xmlns:a16="http://schemas.microsoft.com/office/drawing/2014/main" id="{504EB378-1443-488F-8612-10E67FC01F61}"/>
+                <a16:creationId xmlns:a16="http://schemas.microsoft.com/office/drawing/2014/main" id="{E6FAB4E4-0AD6-4FA7-833B-07AABAD19330}"/>
               </a:ext>
             </a:extLst>
           </p:cNvPr>
@@ -8774,7 +8519,7 @@
     </p:spTree>
     <p:extLst>
       <p:ext uri="{BB962C8B-B14F-4D97-AF65-F5344CB8AC3E}">
-        <p14:creationId xmlns:p14="http://schemas.microsoft.com/office/powerpoint/2010/main" val="938852431"/>
+        <p14:creationId xmlns:p14="http://schemas.microsoft.com/office/powerpoint/2010/main" val="2668772241"/>
       </p:ext>
     </p:extLst>
   </p:cSld>
@@ -8850,7 +8595,12 @@
             <p:ph idx="1"/>
           </p:nvPr>
         </p:nvSpPr>
-        <p:spPr/>
+        <p:spPr>
+          <a:xfrm>
+            <a:off x="677334" y="2160589"/>
+            <a:ext cx="5305547" cy="3880773"/>
+          </a:xfrm>
+        </p:spPr>
         <p:txBody>
           <a:bodyPr>
             <a:normAutofit/>
@@ -8883,147 +8633,8 @@
                 <a:latin typeface="Trebuchet MS (Основной текст)"/>
                 <a:cs typeface="Times New Roman" panose="02020603050405020304" pitchFamily="18" charset="0"/>
               </a:rPr>
-              <a:t>Использовался Функциональный вид тестирования (</a:t>
-            </a:r>
-            <a:r>
-              <a:rPr lang="en-US" sz="2000" dirty="0">
-                <a:latin typeface="Trebuchet MS (Основной текст)"/>
-                <a:cs typeface="Times New Roman" panose="02020603050405020304" pitchFamily="18" charset="0"/>
-              </a:rPr>
-              <a:t>Functional testing)</a:t>
-            </a:r>
-            <a:endParaRPr lang="ru-RU" sz="2000" dirty="0">
-              <a:latin typeface="Trebuchet MS (Основной текст)"/>
-              <a:cs typeface="Times New Roman" panose="02020603050405020304" pitchFamily="18" charset="0"/>
-            </a:endParaRPr>
-          </a:p>
-          <a:p>
-            <a:pPr marL="0" indent="0">
-              <a:lnSpc>
-                <a:spcPct val="150000"/>
-              </a:lnSpc>
-              <a:buSzPct val="110000"/>
-              <a:buNone/>
-            </a:pPr>
-            <a:r>
-              <a:rPr lang="ru-RU" sz="2000" dirty="0">
-                <a:latin typeface="Trebuchet MS (Основной текст)"/>
-                <a:cs typeface="Times New Roman" panose="02020603050405020304" pitchFamily="18" charset="0"/>
-              </a:rPr>
-              <a:t>Методы тестирования которыми я воспользовался</a:t>
-            </a:r>
-            <a:r>
-              <a:rPr lang="en-US" sz="2000" dirty="0">
-                <a:latin typeface="Trebuchet MS (Основной текст)"/>
-                <a:cs typeface="Times New Roman" panose="02020603050405020304" pitchFamily="18" charset="0"/>
-              </a:rPr>
-              <a:t>:</a:t>
-            </a:r>
-            <a:endParaRPr lang="ru-RU" sz="2000" dirty="0">
-              <a:latin typeface="Trebuchet MS (Основной текст)"/>
-              <a:cs typeface="Times New Roman" panose="02020603050405020304" pitchFamily="18" charset="0"/>
-            </a:endParaRPr>
-          </a:p>
-          <a:p>
-            <a:pPr>
-              <a:lnSpc>
-                <a:spcPct val="150000"/>
-              </a:lnSpc>
-              <a:buSzPct val="110000"/>
-              <a:buFont typeface="Arial" panose="020B0604020202020204" pitchFamily="34" charset="0"/>
-              <a:buChar char="•"/>
-            </a:pPr>
-            <a:r>
-              <a:rPr lang="ru-RU" sz="2000" dirty="0">
-                <a:latin typeface="Trebuchet MS (Основной текст)"/>
-                <a:cs typeface="Times New Roman" panose="02020603050405020304" pitchFamily="18" charset="0"/>
-              </a:rPr>
-              <a:t>Причина / Следствие (</a:t>
-            </a:r>
-            <a:r>
-              <a:rPr lang="ru-RU" sz="2000" dirty="0" err="1">
-                <a:latin typeface="Trebuchet MS (Основной текст)"/>
-                <a:cs typeface="Times New Roman" panose="02020603050405020304" pitchFamily="18" charset="0"/>
-              </a:rPr>
-              <a:t>Cause</a:t>
-            </a:r>
-            <a:r>
-              <a:rPr lang="ru-RU" sz="2000" dirty="0">
-                <a:latin typeface="Trebuchet MS (Основной текст)"/>
-                <a:cs typeface="Times New Roman" panose="02020603050405020304" pitchFamily="18" charset="0"/>
-              </a:rPr>
-              <a:t>/</a:t>
-            </a:r>
-            <a:r>
-              <a:rPr lang="ru-RU" sz="2000" dirty="0" err="1">
-                <a:latin typeface="Trebuchet MS (Основной текст)"/>
-                <a:cs typeface="Times New Roman" panose="02020603050405020304" pitchFamily="18" charset="0"/>
-              </a:rPr>
-              <a:t>Effect</a:t>
-            </a:r>
-            <a:r>
-              <a:rPr lang="ru-RU" sz="2000" dirty="0">
-                <a:latin typeface="Trebuchet MS (Основной текст)"/>
-                <a:cs typeface="Times New Roman" panose="02020603050405020304" pitchFamily="18" charset="0"/>
-              </a:rPr>
-              <a:t> — CE) </a:t>
-            </a:r>
-          </a:p>
-          <a:p>
-            <a:pPr>
-              <a:lnSpc>
-                <a:spcPct val="150000"/>
-              </a:lnSpc>
-              <a:buSzPct val="110000"/>
-              <a:buFont typeface="Arial" panose="020B0604020202020204" pitchFamily="34" charset="0"/>
-              <a:buChar char="•"/>
-            </a:pPr>
-            <a:r>
-              <a:rPr lang="ru-RU" sz="2000" dirty="0">
-                <a:latin typeface="Trebuchet MS (Основной текст)"/>
-                <a:cs typeface="Times New Roman" panose="02020603050405020304" pitchFamily="18" charset="0"/>
-              </a:rPr>
-              <a:t>Анализ Граничных Значений </a:t>
-            </a:r>
-            <a:r>
-              <a:rPr lang="en-US" sz="2000" dirty="0">
-                <a:latin typeface="Trebuchet MS (Основной текст)"/>
-                <a:cs typeface="Times New Roman" panose="02020603050405020304" pitchFamily="18" charset="0"/>
-              </a:rPr>
-              <a:t>(Boundary Value Analysis — BVA)</a:t>
-            </a:r>
-            <a:endParaRPr lang="ru-RU" sz="2000" dirty="0">
-              <a:latin typeface="Trebuchet MS (Основной текст)"/>
-              <a:cs typeface="Times New Roman" panose="02020603050405020304" pitchFamily="18" charset="0"/>
-            </a:endParaRPr>
-          </a:p>
-          <a:p>
-            <a:pPr>
-              <a:lnSpc>
-                <a:spcPct val="150000"/>
-              </a:lnSpc>
-              <a:buSzPct val="110000"/>
-              <a:buFont typeface="Arial" panose="020B0604020202020204" pitchFamily="34" charset="0"/>
-              <a:buChar char="•"/>
-            </a:pPr>
-            <a:r>
-              <a:rPr lang="ru-RU" sz="2000" dirty="0">
-                <a:latin typeface="Trebuchet MS (Основной текст)"/>
-                <a:cs typeface="Times New Roman" panose="02020603050405020304" pitchFamily="18" charset="0"/>
-              </a:rPr>
-              <a:t>Метод эквивалентного разделения </a:t>
-            </a:r>
-            <a:r>
-              <a:rPr lang="en-US" sz="2000" dirty="0">
-                <a:latin typeface="Trebuchet MS (Основной текст)"/>
-                <a:cs typeface="Times New Roman" panose="02020603050405020304" pitchFamily="18" charset="0"/>
-              </a:rPr>
-              <a:t>(Equivalence Partitioning — EP)</a:t>
-            </a:r>
-            <a:endParaRPr lang="ru-RU" sz="2000" dirty="0">
-              <a:latin typeface="Trebuchet MS (Основной текст)"/>
-              <a:cs typeface="Times New Roman" panose="02020603050405020304" pitchFamily="18" charset="0"/>
-            </a:endParaRPr>
+              <a:t>Использовался Функциональный вид тестирования</a:t>
+            </a:r>
           </a:p>
         </p:txBody>
       </p:sp>
@@ -9097,6 +8708,36 @@
           </a:p>
         </p:txBody>
       </p:sp>
+      <p:pic>
+        <p:nvPicPr>
+          <p:cNvPr id="7" name="Рисунок 6">
+            <a:extLst>
+              <a:ext uri="{FF2B5EF4-FFF2-40B4-BE49-F238E27FC236}">
+                <a16:creationId xmlns:a16="http://schemas.microsoft.com/office/drawing/2014/main" id="{06A49C18-0B47-46D2-AF22-67B2CC83F998}"/>
+              </a:ext>
+            </a:extLst>
+          </p:cNvPr>
+          <p:cNvPicPr>
+            <a:picLocks noChangeAspect="1"/>
+          </p:cNvPicPr>
+          <p:nvPr/>
+        </p:nvPicPr>
+        <p:blipFill>
+          <a:blip r:embed="rId2"/>
+          <a:stretch>
+            <a:fillRect/>
+          </a:stretch>
+        </p:blipFill>
+        <p:spPr>
+          <a:xfrm>
+            <a:off x="5982881" y="816638"/>
+            <a:ext cx="5934075" cy="4838700"/>
+          </a:xfrm>
+          <a:prstGeom prst="rect">
+            <a:avLst/>
+          </a:prstGeom>
+        </p:spPr>
+      </p:pic>
     </p:spTree>
     <p:extLst>
       <p:ext uri="{BB962C8B-B14F-4D97-AF65-F5344CB8AC3E}">
@@ -9294,7 +8935,7 @@
           <a:graphicData uri="http://schemas.openxmlformats.org/presentationml/2006/ole">
             <mc:AlternateContent xmlns:mc="http://schemas.openxmlformats.org/markup-compatibility/2006">
               <mc:Choice xmlns:v="urn:schemas-microsoft-com:vml" Requires="v">
-                <p:oleObj spid="_x0000_s2057" name="Worksheet" r:id="rId3" imgW="20926400" imgH="4038690" progId="Excel.Sheet.12">
+                <p:oleObj spid="_x0000_s2065" name="Worksheet" r:id="rId3" imgW="20926400" imgH="4038690" progId="Excel.Sheet.12">
                   <p:embed/>
                 </p:oleObj>
               </mc:Choice>
